--- a/Метод широкополосного сигнала.pptx
+++ b/Метод широкополосного сигнала.pptx
@@ -5,7 +5,7 @@
     <p:sldMasterId id="2147483861" r:id="rId1"/>
   </p:sldMasterIdLst>
   <p:notesMasterIdLst>
-    <p:notesMasterId r:id="rId25"/>
+    <p:notesMasterId r:id="rId26"/>
   </p:notesMasterIdLst>
   <p:sldIdLst>
     <p:sldId id="256" r:id="rId2"/>
@@ -21,16 +21,17 @@
     <p:sldId id="266" r:id="rId12"/>
     <p:sldId id="267" r:id="rId13"/>
     <p:sldId id="268" r:id="rId14"/>
-    <p:sldId id="269" r:id="rId15"/>
-    <p:sldId id="270" r:id="rId16"/>
-    <p:sldId id="271" r:id="rId17"/>
-    <p:sldId id="272" r:id="rId18"/>
-    <p:sldId id="273" r:id="rId19"/>
-    <p:sldId id="276" r:id="rId20"/>
-    <p:sldId id="278" r:id="rId21"/>
-    <p:sldId id="274" r:id="rId22"/>
-    <p:sldId id="275" r:id="rId23"/>
-    <p:sldId id="277" r:id="rId24"/>
+    <p:sldId id="279" r:id="rId15"/>
+    <p:sldId id="269" r:id="rId16"/>
+    <p:sldId id="270" r:id="rId17"/>
+    <p:sldId id="271" r:id="rId18"/>
+    <p:sldId id="272" r:id="rId19"/>
+    <p:sldId id="273" r:id="rId20"/>
+    <p:sldId id="276" r:id="rId21"/>
+    <p:sldId id="278" r:id="rId22"/>
+    <p:sldId id="274" r:id="rId23"/>
+    <p:sldId id="275" r:id="rId24"/>
+    <p:sldId id="277" r:id="rId25"/>
   </p:sldIdLst>
   <p:sldSz cx="12192000" cy="6858000"/>
   <p:notesSz cx="6858000" cy="9144000"/>
@@ -129,6 +130,11 @@
       </a:defRPr>
     </a:lvl9pPr>
   </p:defaultTextStyle>
+  <p:extLst>
+    <p:ext uri="{EFAFB233-063F-42B5-8137-9DF3F51BA10A}">
+      <p15:sldGuideLst xmlns:p15="http://schemas.microsoft.com/office/powerpoint/2012/main"/>
+    </p:ext>
+  </p:extLst>
 </p:presentation>
 </file>
 
@@ -214,7 +220,7 @@
           <a:p>
             <a:fld id="{A9655661-2165-4138-B0D1-982F1FC4A8C7}" type="datetimeFigureOut">
               <a:rPr lang="ru-RU" smtClean="0"/>
-              <a:t>04.09.2015</a:t>
+              <a:t>10.09.2015</a:t>
             </a:fld>
             <a:endParaRPr lang="ru-RU"/>
           </a:p>
@@ -547,7 +553,7 @@
           <a:p>
             <a:fld id="{EAA583D4-94DA-496D-9B7F-5D93F803A41C}" type="slidenum">
               <a:rPr lang="ru-RU" smtClean="0"/>
-              <a:t>23</a:t>
+              <a:t>24</a:t>
             </a:fld>
             <a:endParaRPr lang="ru-RU"/>
           </a:p>
@@ -1288,7 +1294,7 @@
           <a:p>
             <a:fld id="{16CED640-2565-4D78-9ABC-1FD41F451D28}" type="datetime1">
               <a:rPr lang="ru-RU" smtClean="0"/>
-              <a:t>04.09.2015</a:t>
+              <a:t>10.09.2015</a:t>
             </a:fld>
             <a:endParaRPr lang="ru-RU"/>
           </a:p>
@@ -1543,7 +1549,7 @@
           <a:p>
             <a:fld id="{73F41E23-6114-4106-9594-F82AD9AC6287}" type="datetime1">
               <a:rPr lang="ru-RU" smtClean="0"/>
-              <a:t>04.09.2015</a:t>
+              <a:t>10.09.2015</a:t>
             </a:fld>
             <a:endParaRPr lang="ru-RU"/>
           </a:p>
@@ -1862,7 +1868,7 @@
           <a:p>
             <a:fld id="{73F41E23-6114-4106-9594-F82AD9AC6287}" type="datetime1">
               <a:rPr lang="ru-RU" smtClean="0"/>
-              <a:t>04.09.2015</a:t>
+              <a:t>10.09.2015</a:t>
             </a:fld>
             <a:endParaRPr lang="ru-RU"/>
           </a:p>
@@ -2208,7 +2214,7 @@
           <a:p>
             <a:fld id="{73F41E23-6114-4106-9594-F82AD9AC6287}" type="datetime1">
               <a:rPr lang="ru-RU" smtClean="0"/>
-              <a:t>04.09.2015</a:t>
+              <a:t>10.09.2015</a:t>
             </a:fld>
             <a:endParaRPr lang="ru-RU"/>
           </a:p>
@@ -2527,7 +2533,7 @@
           <a:p>
             <a:fld id="{73F41E23-6114-4106-9594-F82AD9AC6287}" type="datetime1">
               <a:rPr lang="ru-RU" smtClean="0"/>
-              <a:t>04.09.2015</a:t>
+              <a:t>10.09.2015</a:t>
             </a:fld>
             <a:endParaRPr lang="ru-RU"/>
           </a:p>
@@ -2925,7 +2931,7 @@
           <a:p>
             <a:fld id="{73F41E23-6114-4106-9594-F82AD9AC6287}" type="datetime1">
               <a:rPr lang="ru-RU" smtClean="0"/>
-              <a:t>04.09.2015</a:t>
+              <a:t>10.09.2015</a:t>
             </a:fld>
             <a:endParaRPr lang="ru-RU"/>
           </a:p>
@@ -3100,7 +3106,7 @@
           <a:p>
             <a:fld id="{A8223720-31CF-4EA3-9D0A-83E58CEBDEC0}" type="datetime1">
               <a:rPr lang="ru-RU" smtClean="0"/>
-              <a:t>04.09.2015</a:t>
+              <a:t>10.09.2015</a:t>
             </a:fld>
             <a:endParaRPr lang="ru-RU"/>
           </a:p>
@@ -3284,7 +3290,7 @@
           <a:p>
             <a:fld id="{30543F62-29C8-4FD4-BEBC-1ACC7E9BA221}" type="datetime1">
               <a:rPr lang="ru-RU" smtClean="0"/>
-              <a:t>04.09.2015</a:t>
+              <a:t>10.09.2015</a:t>
             </a:fld>
             <a:endParaRPr lang="ru-RU"/>
           </a:p>
@@ -3464,7 +3470,7 @@
           <a:p>
             <a:fld id="{D4A32B49-8782-4477-9356-301AE20B5675}" type="datetime1">
               <a:rPr lang="ru-RU" smtClean="0"/>
-              <a:t>04.09.2015</a:t>
+              <a:t>10.09.2015</a:t>
             </a:fld>
             <a:endParaRPr lang="ru-RU"/>
           </a:p>
@@ -3715,7 +3721,7 @@
           <a:p>
             <a:fld id="{9F657B5D-4C7E-48FE-912C-DC1378B7C2EB}" type="datetime1">
               <a:rPr lang="ru-RU" smtClean="0"/>
-              <a:t>04.09.2015</a:t>
+              <a:t>10.09.2015</a:t>
             </a:fld>
             <a:endParaRPr lang="ru-RU"/>
           </a:p>
@@ -3951,7 +3957,7 @@
           <a:p>
             <a:fld id="{C870A03B-2A94-4FB7-864B-0AC6398F6D15}" type="datetime1">
               <a:rPr lang="ru-RU" smtClean="0"/>
-              <a:t>04.09.2015</a:t>
+              <a:t>10.09.2015</a:t>
             </a:fld>
             <a:endParaRPr lang="ru-RU"/>
           </a:p>
@@ -4329,7 +4335,7 @@
           <a:p>
             <a:fld id="{AB49CDFC-1288-4168-BADA-B1EEC984503D}" type="datetime1">
               <a:rPr lang="ru-RU" smtClean="0"/>
-              <a:t>04.09.2015</a:t>
+              <a:t>10.09.2015</a:t>
             </a:fld>
             <a:endParaRPr lang="ru-RU"/>
           </a:p>
@@ -4456,7 +4462,7 @@
           <a:p>
             <a:fld id="{B80723DE-8921-4F31-82E1-C11AA984EEDD}" type="datetime1">
               <a:rPr lang="ru-RU" smtClean="0"/>
-              <a:t>04.09.2015</a:t>
+              <a:t>10.09.2015</a:t>
             </a:fld>
             <a:endParaRPr lang="ru-RU"/>
           </a:p>
@@ -4555,7 +4561,7 @@
           <a:p>
             <a:fld id="{E6FE814A-8EC1-4FEC-8B88-48D7957F79E3}" type="datetime1">
               <a:rPr lang="ru-RU" smtClean="0"/>
-              <a:t>04.09.2015</a:t>
+              <a:t>10.09.2015</a:t>
             </a:fld>
             <a:endParaRPr lang="ru-RU"/>
           </a:p>
@@ -4814,7 +4820,7 @@
           <a:p>
             <a:fld id="{C87104B5-4DA7-4A35-86D5-EA595B267980}" type="datetime1">
               <a:rPr lang="ru-RU" smtClean="0"/>
-              <a:t>04.09.2015</a:t>
+              <a:t>10.09.2015</a:t>
             </a:fld>
             <a:endParaRPr lang="ru-RU"/>
           </a:p>
@@ -5081,7 +5087,7 @@
           <a:p>
             <a:fld id="{C419EBD8-7F47-44F7-A6DA-765BA4D5D3B3}" type="datetime1">
               <a:rPr lang="ru-RU" smtClean="0"/>
-              <a:t>04.09.2015</a:t>
+              <a:t>10.09.2015</a:t>
             </a:fld>
             <a:endParaRPr lang="ru-RU"/>
           </a:p>
@@ -5824,7 +5830,7 @@
           <a:p>
             <a:fld id="{73F41E23-6114-4106-9594-F82AD9AC6287}" type="datetime1">
               <a:rPr lang="ru-RU" smtClean="0"/>
-              <a:t>04.09.2015</a:t>
+              <a:t>10.09.2015</a:t>
             </a:fld>
             <a:endParaRPr lang="ru-RU"/>
           </a:p>
@@ -6730,7 +6736,7 @@
         <p:spPr/>
         <p:txBody>
           <a:bodyPr>
-            <a:normAutofit/>
+            <a:normAutofit fontScale="90000"/>
           </a:bodyPr>
           <a:lstStyle/>
           <a:p>
@@ -6743,9 +6749,28 @@
             </a:br>
             <a:r>
               <a:rPr lang="ru-RU" sz="2800" dirty="0" smtClean="0"/>
-              <a:t>Улучшение схемы голосования.</a:t>
-            </a:r>
-            <a:endParaRPr lang="ru-RU" sz="2800" dirty="0"/>
+              <a:t>Улучшение схемы голосования</a:t>
+            </a:r>
+            <a:r>
+              <a:rPr lang="ru-RU" sz="2800" dirty="0"/>
+              <a:t>. </a:t>
+            </a:r>
+            <a:r>
+              <a:rPr lang="ru-RU" sz="2800" dirty="0" smtClean="0"/>
+              <a:t/>
+            </a:r>
+            <a:br>
+              <a:rPr lang="ru-RU" sz="2800" dirty="0" smtClean="0"/>
+            </a:br>
+            <a:r>
+              <a:rPr lang="ru-RU" sz="2000" dirty="0" smtClean="0"/>
+              <a:t>Использование статистической информации </a:t>
+            </a:r>
+            <a:r>
+              <a:rPr lang="ru-RU" sz="2000" dirty="0"/>
+              <a:t>из имеющихся в наличии данных.</a:t>
+            </a:r>
+            <a:endParaRPr lang="ru-RU" sz="2000" dirty="0"/>
           </a:p>
         </p:txBody>
       </p:sp>
@@ -7469,63 +7494,239 @@
           <a:p>
             <a:r>
               <a:rPr lang="ru-RU" dirty="0" smtClean="0"/>
-              <a:t>Формулы реализованные в библиотеке</a:t>
+              <a:t>Комментарий </a:t>
+            </a:r>
+            <a:r>
+              <a:rPr lang="ru-RU" dirty="0" smtClean="0"/>
+              <a:t>#</a:t>
             </a:r>
             <a:r>
               <a:rPr lang="en-US" dirty="0" smtClean="0"/>
+              <a:t>6</a:t>
+            </a:r>
+            <a:r>
+              <a:rPr lang="ru-RU" dirty="0" smtClean="0"/>
+              <a:t>. </a:t>
+            </a:r>
+            <a:r>
+              <a:rPr lang="ru-RU" dirty="0" smtClean="0"/>
               <a:t/>
             </a:r>
             <a:br>
+              <a:rPr lang="ru-RU" dirty="0" smtClean="0"/>
+            </a:br>
+            <a:r>
+              <a:rPr lang="ru-RU" sz="2800" dirty="0" smtClean="0"/>
+              <a:t>Улучшение схемы голосования</a:t>
+            </a:r>
+            <a:r>
+              <a:rPr lang="ru-RU" sz="2800" dirty="0" smtClean="0"/>
+              <a:t>.</a:t>
+            </a:r>
+            <a:br>
+              <a:rPr lang="ru-RU" sz="2800" dirty="0" smtClean="0"/>
+            </a:br>
+            <a:r>
+              <a:rPr lang="ru-RU" sz="2400" dirty="0" smtClean="0"/>
+              <a:t>С</a:t>
+            </a:r>
+            <a:r>
+              <a:rPr lang="ru-RU" sz="2400" dirty="0" smtClean="0"/>
+              <a:t>опоставление весовых коэффициентов </a:t>
+            </a:r>
+            <a:r>
+              <a:rPr lang="ru-RU" sz="2400" dirty="0"/>
+              <a:t>пикселям </a:t>
+            </a:r>
+            <a:r>
+              <a:rPr lang="en-US" sz="2400" dirty="0"/>
+              <a:t/>
+            </a:r>
+            <a:br>
+              <a:rPr lang="en-US" sz="2400" dirty="0"/>
+            </a:br>
+            <a:endParaRPr lang="ru-RU" sz="2800" dirty="0"/>
+          </a:p>
+        </p:txBody>
+      </p:sp>
+      <p:sp>
+        <p:nvSpPr>
+          <p:cNvPr id="3" name="Объект 2"/>
+          <p:cNvSpPr>
+            <a:spLocks noGrp="1"/>
+          </p:cNvSpPr>
+          <p:nvPr>
+            <p:ph idx="1"/>
+          </p:nvPr>
+        </p:nvSpPr>
+        <p:spPr/>
+        <p:txBody>
+          <a:bodyPr>
+            <a:normAutofit fontScale="92500" lnSpcReduction="10000"/>
+          </a:bodyPr>
+          <a:lstStyle/>
+          <a:p>
+            <a:r>
+              <a:rPr lang="ru-RU" dirty="0" smtClean="0"/>
+              <a:t>При размещении данных в изображении пикселям можно сопоставить весовые коэффициенты </a:t>
+            </a:r>
+            <a:endParaRPr lang="en-US" dirty="0" smtClean="0"/>
+          </a:p>
+          <a:p>
+            <a:pPr marL="457200" lvl="1" indent="0">
+              <a:buNone/>
+            </a:pPr>
+            <a:r>
               <a:rPr lang="en-US" dirty="0" smtClean="0"/>
-            </a:br>
-            <a:r>
-              <a:rPr lang="ru-RU" sz="2700" b="1" dirty="0"/>
+              <a:t>W[i,j] ~ F / ( F + </a:t>
+            </a:r>
+            <a:r>
+              <a:rPr lang="en-US" dirty="0" smtClean="0"/>
+              <a:t>ABS( </a:t>
+            </a:r>
+            <a:r>
+              <a:rPr lang="en-US" dirty="0" smtClean="0"/>
+              <a:t>M[i,j] </a:t>
+            </a:r>
+            <a:r>
+              <a:rPr lang="en-US" dirty="0"/>
+              <a:t>– AVG</a:t>
+            </a:r>
+            <a:r>
+              <a:rPr lang="en-US" dirty="0" smtClean="0"/>
+              <a:t>( M[</a:t>
+            </a:r>
+            <a:r>
+              <a:rPr lang="en-US" dirty="0"/>
+              <a:t>i</a:t>
+            </a:r>
+            <a:r>
+              <a:rPr lang="en-US" dirty="0" smtClean="0"/>
+              <a:t>,j] ) </a:t>
+            </a:r>
+            <a:r>
+              <a:rPr lang="en-US" dirty="0" smtClean="0"/>
+              <a:t>) – </a:t>
+            </a:r>
+            <a:r>
+              <a:rPr lang="ru-RU" dirty="0" smtClean="0"/>
+              <a:t>при размещении</a:t>
+            </a:r>
+            <a:endParaRPr lang="en-US" dirty="0" smtClean="0"/>
+          </a:p>
+          <a:p>
+            <a:pPr marL="457200" lvl="1" indent="0">
+              <a:buNone/>
+            </a:pPr>
+            <a:r>
+              <a:rPr lang="en-US" dirty="0" err="1" smtClean="0"/>
+              <a:t>Ww</a:t>
+            </a:r>
+            <a:r>
+              <a:rPr lang="en-US" dirty="0" smtClean="0"/>
+              <a:t>[i,j</a:t>
+            </a:r>
+            <a:r>
+              <a:rPr lang="en-US" dirty="0"/>
+              <a:t>] ~ F / ( F + ABS( </a:t>
+            </a:r>
+            <a:r>
+              <a:rPr lang="en-US" dirty="0" smtClean="0"/>
+              <a:t>Mw[i,j</a:t>
+            </a:r>
+            <a:r>
+              <a:rPr lang="en-US" dirty="0"/>
+              <a:t>] – AVG( </a:t>
+            </a:r>
+            <a:r>
+              <a:rPr lang="en-US" dirty="0" smtClean="0"/>
+              <a:t>Mw[i,j</a:t>
+            </a:r>
+            <a:r>
+              <a:rPr lang="en-US" dirty="0"/>
+              <a:t>] ) ) </a:t>
+            </a:r>
+            <a:r>
+              <a:rPr lang="ru-RU" dirty="0" smtClean="0"/>
+              <a:t>– при декодировании</a:t>
+            </a:r>
+            <a:endParaRPr lang="en-US" dirty="0" smtClean="0"/>
+          </a:p>
+          <a:p>
+            <a:pPr marL="457200" lvl="1" indent="0">
+              <a:buNone/>
+            </a:pPr>
+            <a:r>
+              <a:rPr lang="ru-RU" dirty="0" smtClean="0"/>
+              <a:t>Где </a:t>
+            </a:r>
+            <a:r>
+              <a:rPr lang="en-US" dirty="0"/>
+              <a:t>M[i,j</a:t>
+            </a:r>
+            <a:r>
+              <a:rPr lang="en-US" dirty="0" smtClean="0"/>
+              <a:t>] </a:t>
+            </a:r>
+            <a:r>
+              <a:rPr lang="ru-RU" dirty="0" smtClean="0"/>
+              <a:t>и </a:t>
+            </a:r>
+            <a:r>
+              <a:rPr lang="en-US" dirty="0"/>
+              <a:t>Mw[i,j] </a:t>
+            </a:r>
+            <a:r>
+              <a:rPr lang="ru-RU" dirty="0" smtClean="0"/>
+              <a:t>значения </a:t>
+            </a:r>
+            <a:r>
+              <a:rPr lang="ru-RU" dirty="0"/>
+              <a:t>средней яркости пикселей вокруг пикселя </a:t>
+            </a:r>
+            <a:r>
+              <a:rPr lang="ru-RU" dirty="0" smtClean="0"/>
+              <a:t>кодируемого и декодируемого графических изображений сопоставленные </a:t>
+            </a:r>
+            <a:r>
+              <a:rPr lang="ru-RU" dirty="0"/>
+              <a:t>i-</a:t>
+            </a:r>
+            <a:r>
+              <a:rPr lang="ru-RU" dirty="0" err="1"/>
+              <a:t>му</a:t>
+            </a:r>
+            <a:r>
+              <a:rPr lang="ru-RU" dirty="0"/>
+              <a:t> биту данных x[i] и j-</a:t>
+            </a:r>
+            <a:r>
+              <a:rPr lang="ru-RU" dirty="0" err="1"/>
+              <a:t>му</a:t>
+            </a:r>
+            <a:r>
+              <a:rPr lang="ru-RU" dirty="0"/>
+              <a:t> биту псевдослучайной последовательности y[j]</a:t>
+            </a:r>
+            <a:endParaRPr lang="ru-RU" dirty="0" smtClean="0"/>
+          </a:p>
+          <a:p>
+            <a:r>
+              <a:rPr lang="ru-RU" dirty="0"/>
               <a:t>Формула размещения данных в графическом </a:t>
             </a:r>
             <a:r>
-              <a:rPr lang="ru-RU" sz="2700" b="1" dirty="0" smtClean="0"/>
-              <a:t>файле</a:t>
-            </a:r>
-            <a:endParaRPr lang="ru-RU" sz="2700" dirty="0"/>
-          </a:p>
-        </p:txBody>
-      </p:sp>
-      <p:sp>
-        <p:nvSpPr>
-          <p:cNvPr id="3" name="Объект 2"/>
-          <p:cNvSpPr>
-            <a:spLocks noGrp="1"/>
-          </p:cNvSpPr>
-          <p:nvPr>
-            <p:ph idx="1"/>
-          </p:nvPr>
-        </p:nvSpPr>
-        <p:spPr/>
-        <p:txBody>
-          <a:bodyPr/>
-          <a:lstStyle/>
-          <a:p>
-            <a:r>
-              <a:rPr lang="ru-RU" dirty="0" smtClean="0"/>
-              <a:t>Формула изменения яркостей пикселей в зависимости от значения i-</a:t>
-            </a:r>
-            <a:r>
-              <a:rPr lang="ru-RU" dirty="0" err="1" smtClean="0"/>
-              <a:t>го</a:t>
-            </a:r>
-            <a:r>
-              <a:rPr lang="ru-RU" dirty="0" smtClean="0"/>
-              <a:t> бита данных x[i] и j-</a:t>
-            </a:r>
-            <a:r>
-              <a:rPr lang="ru-RU" dirty="0" err="1" smtClean="0"/>
-              <a:t>го</a:t>
-            </a:r>
-            <a:r>
-              <a:rPr lang="ru-RU" dirty="0" smtClean="0"/>
-              <a:t> бита псевдослучайной последовательности y[j]: </a:t>
-            </a:r>
-            <a:endParaRPr lang="en-US" dirty="0" smtClean="0"/>
+              <a:rPr lang="ru-RU" dirty="0" smtClean="0"/>
+              <a:t>файле и извлечения данных будут следующие</a:t>
+            </a:r>
+            <a:r>
+              <a:rPr lang="en-US" dirty="0" smtClean="0"/>
+              <a:t>:</a:t>
+            </a:r>
+            <a:r>
+              <a:rPr lang="ru-RU" dirty="0" smtClean="0"/>
+              <a:t> </a:t>
+            </a:r>
           </a:p>
           <a:p>
             <a:pPr marL="0" indent="0" algn="ctr">
@@ -7537,64 +7738,57 @@
             </a:r>
             <a:r>
               <a:rPr lang="ru-RU" dirty="0" smtClean="0"/>
-              <a:t>[</a:t>
-            </a:r>
-            <a:r>
-              <a:rPr lang="ru-RU" dirty="0" err="1" smtClean="0"/>
-              <a:t>i,j</a:t>
-            </a:r>
-            <a:r>
-              <a:rPr lang="ru-RU" dirty="0" smtClean="0"/>
-              <a:t>] = C[</a:t>
-            </a:r>
-            <a:r>
-              <a:rPr lang="ru-RU" dirty="0" err="1" smtClean="0"/>
-              <a:t>i,j</a:t>
-            </a:r>
-            <a:r>
-              <a:rPr lang="ru-RU" dirty="0" smtClean="0"/>
-              <a:t>] + A*(-1)^(x[i] </a:t>
-            </a:r>
-            <a:r>
-              <a:rPr lang="ru-RU" dirty="0" err="1" smtClean="0"/>
+              <a:t>[i,j</a:t>
+            </a:r>
+            <a:r>
+              <a:rPr lang="ru-RU" dirty="0"/>
+              <a:t>] = С[i,j] + </a:t>
+            </a:r>
+            <a:r>
+              <a:rPr lang="en-US" dirty="0" smtClean="0"/>
+              <a:t>W</a:t>
+            </a:r>
+            <a:r>
+              <a:rPr lang="ru-RU" dirty="0" smtClean="0"/>
+              <a:t>[i,j</a:t>
+            </a:r>
+            <a:r>
+              <a:rPr lang="ru-RU" dirty="0"/>
+              <a:t>] </a:t>
+            </a:r>
+            <a:r>
+              <a:rPr lang="en-US" dirty="0" smtClean="0"/>
+              <a:t>* ( </a:t>
+            </a:r>
+            <a:r>
+              <a:rPr lang="ru-RU" dirty="0" smtClean="0"/>
+              <a:t>A</a:t>
+            </a:r>
+            <a:r>
+              <a:rPr lang="ru-RU" dirty="0"/>
+              <a:t>*(-1)^(x[i] </a:t>
+            </a:r>
+            <a:r>
+              <a:rPr lang="ru-RU" dirty="0" err="1"/>
               <a:t>xor</a:t>
             </a:r>
             <a:r>
-              <a:rPr lang="ru-RU" dirty="0" smtClean="0"/>
-              <a:t> y[j]) </a:t>
-            </a:r>
-            <a:endParaRPr lang="en-US" dirty="0" smtClean="0"/>
-          </a:p>
-          <a:p>
-            <a:r>
-              <a:rPr lang="ru-RU" dirty="0" smtClean="0"/>
-              <a:t>где C[</a:t>
-            </a:r>
-            <a:r>
-              <a:rPr lang="ru-RU" dirty="0" err="1" smtClean="0"/>
-              <a:t>i,j</a:t>
-            </a:r>
-            <a:r>
-              <a:rPr lang="ru-RU" dirty="0" smtClean="0"/>
-              <a:t>] - значение яркости пикселя графического изображения сопоставленного i-</a:t>
-            </a:r>
-            <a:r>
-              <a:rPr lang="ru-RU" dirty="0" err="1" smtClean="0"/>
-              <a:t>му</a:t>
-            </a:r>
-            <a:r>
-              <a:rPr lang="ru-RU" dirty="0" smtClean="0"/>
-              <a:t> биту данных x[i] и j-</a:t>
-            </a:r>
-            <a:r>
-              <a:rPr lang="ru-RU" dirty="0" err="1" smtClean="0"/>
-              <a:t>му</a:t>
-            </a:r>
-            <a:r>
-              <a:rPr lang="ru-RU" dirty="0" smtClean="0"/>
-              <a:t> биту псевдослучайной последовательности y[j] </a:t>
-            </a:r>
-            <a:endParaRPr lang="en-US" dirty="0" smtClean="0"/>
+              <a:rPr lang="ru-RU" dirty="0"/>
+              <a:t> y[j]) - </a:t>
+            </a:r>
+            <a:r>
+              <a:rPr lang="ru-RU" dirty="0" err="1"/>
+              <a:t>dC</a:t>
+            </a:r>
+            <a:r>
+              <a:rPr lang="ru-RU" dirty="0"/>
+              <a:t> </a:t>
+            </a:r>
+            <a:r>
+              <a:rPr lang="en-US" dirty="0" smtClean="0"/>
+              <a:t>)</a:t>
+            </a:r>
+            <a:endParaRPr lang="en-US" dirty="0"/>
           </a:p>
           <a:p>
             <a:pPr marL="0" indent="0" algn="ctr">
@@ -7602,25 +7796,126 @@
             </a:pPr>
             <a:r>
               <a:rPr lang="ru-RU" dirty="0" smtClean="0"/>
-              <a:t>A = SQRT( AVG (C[</a:t>
-            </a:r>
-            <a:r>
-              <a:rPr lang="ru-RU" dirty="0" err="1" smtClean="0"/>
-              <a:t>i,j</a:t>
-            </a:r>
-            <a:r>
-              <a:rPr lang="ru-RU" dirty="0" smtClean="0"/>
-              <a:t>]-M[</a:t>
-            </a:r>
-            <a:r>
-              <a:rPr lang="ru-RU" dirty="0" err="1" smtClean="0"/>
-              <a:t>i,j</a:t>
-            </a:r>
-            <a:r>
-              <a:rPr lang="ru-RU" dirty="0" smtClean="0"/>
-              <a:t>])^2 )</a:t>
-            </a:r>
-            <a:endParaRPr lang="ru-RU" dirty="0"/>
+              <a:t>V[i</a:t>
+            </a:r>
+            <a:r>
+              <a:rPr lang="ru-RU" dirty="0"/>
+              <a:t>]= SUM </a:t>
+            </a:r>
+            <a:r>
+              <a:rPr lang="en-US" dirty="0" err="1" smtClean="0"/>
+              <a:t>Ww</a:t>
+            </a:r>
+            <a:r>
+              <a:rPr lang="ru-RU" dirty="0" smtClean="0"/>
+              <a:t>[i,j</a:t>
+            </a:r>
+            <a:r>
+              <a:rPr lang="ru-RU" dirty="0"/>
+              <a:t>] </a:t>
+            </a:r>
+            <a:r>
+              <a:rPr lang="en-US" dirty="0" smtClean="0"/>
+              <a:t>* ( </a:t>
+            </a:r>
+            <a:r>
+              <a:rPr lang="ru-RU" dirty="0" smtClean="0"/>
+              <a:t>(</a:t>
+            </a:r>
+            <a:r>
+              <a:rPr lang="ru-RU" dirty="0" err="1"/>
+              <a:t>Cw</a:t>
+            </a:r>
+            <a:r>
+              <a:rPr lang="ru-RU" dirty="0"/>
+              <a:t>[i,j</a:t>
+            </a:r>
+            <a:r>
+              <a:rPr lang="ru-RU" dirty="0" smtClean="0"/>
+              <a:t>]</a:t>
+            </a:r>
+            <a:r>
+              <a:rPr lang="en-US" dirty="0" smtClean="0"/>
+              <a:t> </a:t>
+            </a:r>
+            <a:r>
+              <a:rPr lang="ru-RU" dirty="0" smtClean="0"/>
+              <a:t>-</a:t>
+            </a:r>
+            <a:r>
+              <a:rPr lang="en-US" dirty="0" smtClean="0"/>
+              <a:t> </a:t>
+            </a:r>
+            <a:r>
+              <a:rPr lang="ru-RU" dirty="0" err="1" smtClean="0"/>
+              <a:t>Mw</a:t>
+            </a:r>
+            <a:r>
+              <a:rPr lang="ru-RU" dirty="0" smtClean="0"/>
+              <a:t>[i,j]</a:t>
+            </a:r>
+            <a:r>
+              <a:rPr lang="en-US" dirty="0"/>
+              <a:t> – </a:t>
+            </a:r>
+            <a:r>
+              <a:rPr lang="en-US" dirty="0" err="1"/>
+              <a:t>dCw</a:t>
+            </a:r>
+            <a:r>
+              <a:rPr lang="en-US" dirty="0"/>
+              <a:t> </a:t>
+            </a:r>
+            <a:r>
+              <a:rPr lang="ru-RU" dirty="0" smtClean="0"/>
+              <a:t>)(-</a:t>
+            </a:r>
+            <a:r>
+              <a:rPr lang="ru-RU" dirty="0"/>
+              <a:t>1)^y[j</a:t>
+            </a:r>
+            <a:r>
+              <a:rPr lang="ru-RU" dirty="0" smtClean="0"/>
+              <a:t>]</a:t>
+            </a:r>
+            <a:r>
+              <a:rPr lang="en-US" dirty="0" smtClean="0"/>
+              <a:t> )</a:t>
+            </a:r>
+            <a:endParaRPr lang="en-US" dirty="0"/>
+          </a:p>
+          <a:p>
+            <a:pPr marL="0" indent="0" algn="ctr">
+              <a:buNone/>
+            </a:pPr>
+            <a:r>
+              <a:rPr lang="ru-RU" dirty="0" err="1"/>
+              <a:t>if</a:t>
+            </a:r>
+            <a:r>
+              <a:rPr lang="ru-RU" dirty="0"/>
+              <a:t> V[i]&lt;0 </a:t>
+            </a:r>
+            <a:r>
+              <a:rPr lang="ru-RU" dirty="0" err="1"/>
+              <a:t>then</a:t>
+            </a:r>
+            <a:r>
+              <a:rPr lang="ru-RU" dirty="0"/>
+              <a:t> x[i] == 0 </a:t>
+            </a:r>
+            <a:r>
+              <a:rPr lang="ru-RU" dirty="0" err="1"/>
+              <a:t>else</a:t>
+            </a:r>
+            <a:r>
+              <a:rPr lang="ru-RU" dirty="0"/>
+              <a:t> x[i] == 1 </a:t>
+            </a:r>
+            <a:endParaRPr lang="en-US" dirty="0"/>
+          </a:p>
+          <a:p>
+            <a:endParaRPr lang="en-US" dirty="0"/>
           </a:p>
         </p:txBody>
       </p:sp>
@@ -7650,7 +7945,7 @@
     </p:spTree>
     <p:extLst>
       <p:ext uri="{BB962C8B-B14F-4D97-AF65-F5344CB8AC3E}">
-        <p14:creationId xmlns:p14="http://schemas.microsoft.com/office/powerpoint/2010/main" val="4184505019"/>
+        <p14:creationId xmlns:p14="http://schemas.microsoft.com/office/powerpoint/2010/main" val="3075212439"/>
       </p:ext>
     </p:extLst>
   </p:cSld>
@@ -7707,11 +8002,11 @@
             </a:br>
             <a:r>
               <a:rPr lang="ru-RU" sz="2700" b="1" dirty="0"/>
-              <a:t>Формула извлечения данных из графического </a:t>
+              <a:t>Формула размещения данных в графическом </a:t>
             </a:r>
             <a:r>
               <a:rPr lang="ru-RU" sz="2700" b="1" dirty="0" smtClean="0"/>
-              <a:t>файла</a:t>
+              <a:t>файле</a:t>
             </a:r>
             <a:endParaRPr lang="ru-RU" sz="2700" dirty="0"/>
           </a:p>
@@ -7729,14 +8024,28 @@
         </p:nvSpPr>
         <p:spPr/>
         <p:txBody>
-          <a:bodyPr>
-            <a:normAutofit fontScale="92500" lnSpcReduction="20000"/>
-          </a:bodyPr>
-          <a:lstStyle/>
-          <a:p>
-            <a:r>
-              <a:rPr lang="ru-RU" dirty="0" smtClean="0"/>
-              <a:t>При извлечении данных из массива яркостей пикселей применяется взвешенная схема голосования с коэффициентами равными разности между средним значением яркости и яркостью голосующего пикселя. </a:t>
+          <a:bodyPr/>
+          <a:lstStyle/>
+          <a:p>
+            <a:r>
+              <a:rPr lang="ru-RU" dirty="0" smtClean="0"/>
+              <a:t>Формула изменения яркостей пикселей в зависимости от значения i-</a:t>
+            </a:r>
+            <a:r>
+              <a:rPr lang="ru-RU" dirty="0" err="1" smtClean="0"/>
+              <a:t>го</a:t>
+            </a:r>
+            <a:r>
+              <a:rPr lang="ru-RU" dirty="0" smtClean="0"/>
+              <a:t> бита данных x[i] и j-</a:t>
+            </a:r>
+            <a:r>
+              <a:rPr lang="ru-RU" dirty="0" err="1" smtClean="0"/>
+              <a:t>го</a:t>
+            </a:r>
+            <a:r>
+              <a:rPr lang="ru-RU" dirty="0" smtClean="0"/>
+              <a:t> бита псевдослучайной последовательности y[j]: </a:t>
             </a:r>
             <a:endParaRPr lang="en-US" dirty="0" smtClean="0"/>
           </a:p>
@@ -7745,32 +8054,71 @@
               <a:buNone/>
             </a:pPr>
             <a:r>
-              <a:rPr lang="ru-RU" dirty="0" smtClean="0"/>
-              <a:t>V[i]= SUM (</a:t>
-            </a:r>
-            <a:r>
-              <a:rPr lang="ru-RU" dirty="0" err="1" smtClean="0"/>
-              <a:t>log</a:t>
-            </a:r>
-            <a:r>
-              <a:rPr lang="ru-RU" dirty="0" smtClean="0"/>
-              <a:t>(</a:t>
-            </a:r>
-            <a:r>
-              <a:rPr lang="ru-RU" dirty="0" err="1" smtClean="0"/>
-              <a:t>Pn</a:t>
-            </a:r>
-            <a:r>
-              <a:rPr lang="ru-RU" dirty="0" smtClean="0"/>
-              <a:t>(</a:t>
-            </a:r>
-            <a:r>
               <a:rPr lang="ru-RU" dirty="0" err="1" smtClean="0"/>
               <a:t>Cw</a:t>
             </a:r>
             <a:r>
               <a:rPr lang="ru-RU" dirty="0" smtClean="0"/>
-              <a:t>[</a:t>
+              <a:t>[i,j] = C[i,j] + </a:t>
+            </a:r>
+            <a:r>
+              <a:rPr lang="en-US" dirty="0"/>
+              <a:t>W</a:t>
+            </a:r>
+            <a:r>
+              <a:rPr lang="ru-RU" dirty="0" smtClean="0"/>
+              <a:t>[i,j</a:t>
+            </a:r>
+            <a:r>
+              <a:rPr lang="ru-RU" dirty="0"/>
+              <a:t>] </a:t>
+            </a:r>
+            <a:r>
+              <a:rPr lang="ru-RU" dirty="0" smtClean="0"/>
+              <a:t>*</a:t>
+            </a:r>
+            <a:r>
+              <a:rPr lang="en-US" dirty="0" smtClean="0"/>
+              <a:t> ( </a:t>
+            </a:r>
+            <a:r>
+              <a:rPr lang="ru-RU" dirty="0" smtClean="0"/>
+              <a:t>A</a:t>
+            </a:r>
+            <a:r>
+              <a:rPr lang="ru-RU" dirty="0" smtClean="0"/>
+              <a:t>*(-1)^(x[i] </a:t>
+            </a:r>
+            <a:r>
+              <a:rPr lang="ru-RU" dirty="0" err="1" smtClean="0"/>
+              <a:t>xor</a:t>
+            </a:r>
+            <a:r>
+              <a:rPr lang="ru-RU" dirty="0" smtClean="0"/>
+              <a:t> y[j]) </a:t>
+            </a:r>
+            <a:r>
+              <a:rPr lang="en-US" dirty="0" smtClean="0"/>
+              <a:t>– </a:t>
+            </a:r>
+            <a:r>
+              <a:rPr lang="en-US" dirty="0" err="1" smtClean="0"/>
+              <a:t>dC</a:t>
+            </a:r>
+            <a:r>
+              <a:rPr lang="ru-RU" dirty="0" smtClean="0"/>
+              <a:t> </a:t>
+            </a:r>
+            <a:r>
+              <a:rPr lang="en-US" dirty="0" smtClean="0"/>
+              <a:t>)</a:t>
+            </a:r>
+            <a:endParaRPr lang="en-US" dirty="0" smtClean="0"/>
+          </a:p>
+          <a:p>
+            <a:r>
+              <a:rPr lang="ru-RU" dirty="0" smtClean="0"/>
+              <a:t>где C[</a:t>
             </a:r>
             <a:r>
               <a:rPr lang="ru-RU" dirty="0" err="1" smtClean="0"/>
@@ -7778,15 +8126,33 @@
             </a:r>
             <a:r>
               <a:rPr lang="ru-RU" dirty="0" smtClean="0"/>
-              <a:t>]-</a:t>
-            </a:r>
-            <a:r>
-              <a:rPr lang="ru-RU" dirty="0" err="1" smtClean="0"/>
-              <a:t>Mw</a:t>
-            </a:r>
-            <a:r>
-              <a:rPr lang="ru-RU" dirty="0" smtClean="0"/>
-              <a:t>[</a:t>
+              <a:t>] - значение яркости пикселя графического изображения сопоставленного i-</a:t>
+            </a:r>
+            <a:r>
+              <a:rPr lang="ru-RU" dirty="0" err="1" smtClean="0"/>
+              <a:t>му</a:t>
+            </a:r>
+            <a:r>
+              <a:rPr lang="ru-RU" dirty="0" smtClean="0"/>
+              <a:t> биту данных x[i] и j-</a:t>
+            </a:r>
+            <a:r>
+              <a:rPr lang="ru-RU" dirty="0" err="1" smtClean="0"/>
+              <a:t>му</a:t>
+            </a:r>
+            <a:r>
+              <a:rPr lang="ru-RU" dirty="0" smtClean="0"/>
+              <a:t> биту псевдослучайной последовательности y[j] </a:t>
+            </a:r>
+            <a:endParaRPr lang="en-US" dirty="0" smtClean="0"/>
+          </a:p>
+          <a:p>
+            <a:pPr marL="0" indent="0" algn="ctr">
+              <a:buNone/>
+            </a:pPr>
+            <a:r>
+              <a:rPr lang="ru-RU" dirty="0" smtClean="0"/>
+              <a:t>A = SQRT( AVG (C[</a:t>
             </a:r>
             <a:r>
               <a:rPr lang="ru-RU" dirty="0" err="1" smtClean="0"/>
@@ -7794,23 +8160,7 @@
             </a:r>
             <a:r>
               <a:rPr lang="ru-RU" dirty="0" smtClean="0"/>
-              <a:t>])/</a:t>
-            </a:r>
-            <a:r>
-              <a:rPr lang="ru-RU" dirty="0" err="1" smtClean="0"/>
-              <a:t>Pn</a:t>
-            </a:r>
-            <a:r>
-              <a:rPr lang="ru-RU" dirty="0" smtClean="0"/>
-              <a:t>(</a:t>
-            </a:r>
-            <a:r>
-              <a:rPr lang="ru-RU" dirty="0" err="1" smtClean="0"/>
-              <a:t>Mw</a:t>
-            </a:r>
-            <a:r>
-              <a:rPr lang="ru-RU" dirty="0" smtClean="0"/>
-              <a:t>[</a:t>
+              <a:t>]-M[</a:t>
             </a:r>
             <a:r>
               <a:rPr lang="ru-RU" dirty="0" err="1" smtClean="0"/>
@@ -7818,180 +8168,7 @@
             </a:r>
             <a:r>
               <a:rPr lang="ru-RU" dirty="0" smtClean="0"/>
-              <a:t>]-</a:t>
-            </a:r>
-            <a:r>
-              <a:rPr lang="ru-RU" dirty="0" err="1" smtClean="0"/>
-              <a:t>Cw</a:t>
-            </a:r>
-            <a:r>
-              <a:rPr lang="ru-RU" dirty="0" smtClean="0"/>
-              <a:t>[</a:t>
-            </a:r>
-            <a:r>
-              <a:rPr lang="ru-RU" dirty="0" err="1" smtClean="0"/>
-              <a:t>i,j</a:t>
-            </a:r>
-            <a:r>
-              <a:rPr lang="ru-RU" dirty="0" smtClean="0"/>
-              <a:t>]))(-1)^y[j] </a:t>
-            </a:r>
-            <a:endParaRPr lang="en-US" dirty="0" smtClean="0"/>
-          </a:p>
-          <a:p>
-            <a:pPr marL="0" indent="0" algn="ctr">
-              <a:buNone/>
-            </a:pPr>
-            <a:r>
-              <a:rPr lang="ru-RU" dirty="0" err="1" smtClean="0"/>
-              <a:t>if</a:t>
-            </a:r>
-            <a:r>
-              <a:rPr lang="ru-RU" dirty="0" smtClean="0"/>
-              <a:t> V[i]&lt;0 </a:t>
-            </a:r>
-            <a:r>
-              <a:rPr lang="ru-RU" dirty="0" err="1" smtClean="0"/>
-              <a:t>then</a:t>
-            </a:r>
-            <a:r>
-              <a:rPr lang="ru-RU" dirty="0" smtClean="0"/>
-              <a:t> x[i] == 0 </a:t>
-            </a:r>
-            <a:r>
-              <a:rPr lang="ru-RU" dirty="0" err="1" smtClean="0"/>
-              <a:t>else</a:t>
-            </a:r>
-            <a:r>
-              <a:rPr lang="ru-RU" dirty="0" smtClean="0"/>
-              <a:t> x[i] == 1 </a:t>
-            </a:r>
-            <a:endParaRPr lang="en-US" dirty="0" smtClean="0"/>
-          </a:p>
-          <a:p>
-            <a:r>
-              <a:rPr lang="ru-RU" dirty="0" smtClean="0"/>
-              <a:t>где </a:t>
-            </a:r>
-            <a:r>
-              <a:rPr lang="ru-RU" dirty="0" err="1" smtClean="0"/>
-              <a:t>Pn</a:t>
-            </a:r>
-            <a:r>
-              <a:rPr lang="ru-RU" dirty="0" smtClean="0"/>
-              <a:t> - значение вероятности у статистики с нормальным распределением, средним значением и значением дисперсии равным </a:t>
-            </a:r>
-            <a:endParaRPr lang="en-US" dirty="0" smtClean="0"/>
-          </a:p>
-          <a:p>
-            <a:pPr marL="0" indent="0" algn="ctr">
-              <a:buNone/>
-            </a:pPr>
-            <a:r>
-              <a:rPr lang="ru-RU" dirty="0" smtClean="0"/>
-              <a:t>A=SQRT( AVG (</a:t>
-            </a:r>
-            <a:r>
-              <a:rPr lang="ru-RU" dirty="0" err="1" smtClean="0"/>
-              <a:t>Cw</a:t>
-            </a:r>
-            <a:r>
-              <a:rPr lang="ru-RU" dirty="0" smtClean="0"/>
-              <a:t>[</a:t>
-            </a:r>
-            <a:r>
-              <a:rPr lang="ru-RU" dirty="0" err="1" smtClean="0"/>
-              <a:t>i,j</a:t>
-            </a:r>
-            <a:r>
-              <a:rPr lang="ru-RU" dirty="0" smtClean="0"/>
-              <a:t>]-</a:t>
-            </a:r>
-            <a:r>
-              <a:rPr lang="ru-RU" dirty="0" err="1" smtClean="0"/>
-              <a:t>Mw</a:t>
-            </a:r>
-            <a:r>
-              <a:rPr lang="ru-RU" dirty="0" smtClean="0"/>
-              <a:t>[</a:t>
-            </a:r>
-            <a:r>
-              <a:rPr lang="ru-RU" dirty="0" err="1" smtClean="0"/>
-              <a:t>i,j</a:t>
-            </a:r>
-            <a:r>
-              <a:rPr lang="ru-RU" dirty="0" smtClean="0"/>
-              <a:t>])^2 ) </a:t>
-            </a:r>
-            <a:endParaRPr lang="en-US" dirty="0" smtClean="0"/>
-          </a:p>
-          <a:p>
-            <a:r>
-              <a:rPr lang="ru-RU" dirty="0" err="1" smtClean="0"/>
-              <a:t>Cw</a:t>
-            </a:r>
-            <a:r>
-              <a:rPr lang="ru-RU" dirty="0" smtClean="0"/>
-              <a:t>[</a:t>
-            </a:r>
-            <a:r>
-              <a:rPr lang="ru-RU" dirty="0" err="1" smtClean="0"/>
-              <a:t>i,j</a:t>
-            </a:r>
-            <a:r>
-              <a:rPr lang="ru-RU" dirty="0" smtClean="0"/>
-              <a:t>] - значение яркости пикселя декодируемого графического изображения сопоставленного i-</a:t>
-            </a:r>
-            <a:r>
-              <a:rPr lang="ru-RU" dirty="0" err="1" smtClean="0"/>
-              <a:t>му</a:t>
-            </a:r>
-            <a:r>
-              <a:rPr lang="ru-RU" dirty="0" smtClean="0"/>
-              <a:t> биту данных x[i] и j-</a:t>
-            </a:r>
-            <a:r>
-              <a:rPr lang="ru-RU" dirty="0" err="1" smtClean="0"/>
-              <a:t>му</a:t>
-            </a:r>
-            <a:r>
-              <a:rPr lang="ru-RU" dirty="0" smtClean="0"/>
-              <a:t> биту псевдослучайной последовательности y[j] </a:t>
-            </a:r>
-            <a:endParaRPr lang="en-US" dirty="0" smtClean="0"/>
-          </a:p>
-          <a:p>
-            <a:r>
-              <a:rPr lang="ru-RU" dirty="0" err="1" smtClean="0"/>
-              <a:t>Mw</a:t>
-            </a:r>
-            <a:r>
-              <a:rPr lang="ru-RU" dirty="0" smtClean="0"/>
-              <a:t>[</a:t>
-            </a:r>
-            <a:r>
-              <a:rPr lang="ru-RU" dirty="0" err="1" smtClean="0"/>
-              <a:t>i,j</a:t>
-            </a:r>
-            <a:r>
-              <a:rPr lang="ru-RU" dirty="0" smtClean="0"/>
-              <a:t>] - значение средней яркости пикселей вокруг пикселя декодируемого графического изображения сопоставленного i-</a:t>
-            </a:r>
-            <a:r>
-              <a:rPr lang="ru-RU" dirty="0" err="1" smtClean="0"/>
-              <a:t>му</a:t>
-            </a:r>
-            <a:r>
-              <a:rPr lang="ru-RU" dirty="0" smtClean="0"/>
-              <a:t> биту данных x[i] и j-</a:t>
-            </a:r>
-            <a:r>
-              <a:rPr lang="ru-RU" dirty="0" err="1" smtClean="0"/>
-              <a:t>му</a:t>
-            </a:r>
-            <a:r>
-              <a:rPr lang="ru-RU" dirty="0" smtClean="0"/>
-              <a:t> биту псевдослучайной последовательности y[j]</a:t>
+              <a:t>])^2 )</a:t>
             </a:r>
             <a:endParaRPr lang="ru-RU" dirty="0"/>
           </a:p>
@@ -8023,7 +8200,7 @@
     </p:spTree>
     <p:extLst>
       <p:ext uri="{BB962C8B-B14F-4D97-AF65-F5344CB8AC3E}">
-        <p14:creationId xmlns:p14="http://schemas.microsoft.com/office/powerpoint/2010/main" val="955669655"/>
+        <p14:creationId xmlns:p14="http://schemas.microsoft.com/office/powerpoint/2010/main" val="4184505019"/>
       </p:ext>
     </p:extLst>
   </p:cSld>
@@ -8062,14 +8239,31 @@
         </p:nvSpPr>
         <p:spPr/>
         <p:txBody>
-          <a:bodyPr/>
-          <a:lstStyle/>
-          <a:p>
-            <a:r>
-              <a:rPr lang="ru-RU" dirty="0" smtClean="0"/>
-              <a:t>Требуемый размер изображения</a:t>
-            </a:r>
-            <a:endParaRPr lang="ru-RU" dirty="0"/>
+          <a:bodyPr>
+            <a:normAutofit fontScale="90000"/>
+          </a:bodyPr>
+          <a:lstStyle/>
+          <a:p>
+            <a:r>
+              <a:rPr lang="ru-RU" dirty="0" smtClean="0"/>
+              <a:t>Формулы реализованные в библиотеке</a:t>
+            </a:r>
+            <a:r>
+              <a:rPr lang="en-US" dirty="0" smtClean="0"/>
+              <a:t/>
+            </a:r>
+            <a:br>
+              <a:rPr lang="en-US" dirty="0" smtClean="0"/>
+            </a:br>
+            <a:r>
+              <a:rPr lang="ru-RU" sz="2700" b="1" dirty="0"/>
+              <a:t>Формула извлечения данных из графического </a:t>
+            </a:r>
+            <a:r>
+              <a:rPr lang="ru-RU" sz="2700" b="1" dirty="0" smtClean="0"/>
+              <a:t>файла</a:t>
+            </a:r>
+            <a:endParaRPr lang="ru-RU" sz="2700" dirty="0"/>
           </a:p>
         </p:txBody>
       </p:sp>
@@ -8086,25 +8280,13 @@
         <p:spPr/>
         <p:txBody>
           <a:bodyPr>
-            <a:normAutofit/>
+            <a:normAutofit fontScale="92500" lnSpcReduction="20000"/>
           </a:bodyPr>
           <a:lstStyle/>
           <a:p>
             <a:r>
               <a:rPr lang="ru-RU" dirty="0" smtClean="0"/>
-              <a:t>Если</a:t>
-            </a:r>
-          </a:p>
-          <a:p>
-            <a:r>
-              <a:rPr lang="ru-RU" dirty="0" smtClean="0"/>
-              <a:t>L8 - количество бит передаваемых данных</a:t>
-            </a:r>
-          </a:p>
-          <a:p>
-            <a:r>
-              <a:rPr lang="ru-RU" dirty="0" smtClean="0"/>
-              <a:t>N - количество изменяемых пикселей на каждый переданный бит то требуемое количество пикселей в графическом изображении должно быть не менее L8N, то есть должно выполняться неравенство </a:t>
+              <a:t>При извлечении данных из массива яркостей пикселей применяется взвешенная схема голосования с коэффициентами равными разности между средним значением яркости и яркостью голосующего пикселя. </a:t>
             </a:r>
             <a:endParaRPr lang="en-US" dirty="0" smtClean="0"/>
           </a:p>
@@ -8114,14 +8296,244 @@
             </a:pPr>
             <a:r>
               <a:rPr lang="ru-RU" dirty="0" smtClean="0"/>
-              <a:t>L8N &gt;= WHK, </a:t>
+              <a:t>V[i]= </a:t>
+            </a:r>
+            <a:r>
+              <a:rPr lang="ru-RU" dirty="0" smtClean="0"/>
+              <a:t>SUM</a:t>
+            </a:r>
+            <a:r>
+              <a:rPr lang="en-US" dirty="0" smtClean="0"/>
+              <a:t> W</a:t>
+            </a:r>
+            <a:r>
+              <a:rPr lang="ru-RU" dirty="0" smtClean="0"/>
+              <a:t>w[i,j]</a:t>
+            </a:r>
+            <a:r>
+              <a:rPr lang="en-US" dirty="0" smtClean="0"/>
+              <a:t> *</a:t>
+            </a:r>
+            <a:r>
+              <a:rPr lang="ru-RU" dirty="0" smtClean="0"/>
+              <a:t> </a:t>
+            </a:r>
+            <a:r>
+              <a:rPr lang="ru-RU" dirty="0" smtClean="0"/>
+              <a:t>( </a:t>
+            </a:r>
+            <a:r>
+              <a:rPr lang="ru-RU" dirty="0" err="1" smtClean="0"/>
+              <a:t>Cw</a:t>
+            </a:r>
+            <a:r>
+              <a:rPr lang="ru-RU" dirty="0" smtClean="0"/>
+              <a:t>[i,j]</a:t>
+            </a:r>
+            <a:r>
+              <a:rPr lang="en-US" dirty="0" smtClean="0"/>
+              <a:t> </a:t>
+            </a:r>
+            <a:r>
+              <a:rPr lang="ru-RU" dirty="0" smtClean="0"/>
+              <a:t>-</a:t>
+            </a:r>
+            <a:r>
+              <a:rPr lang="en-US" dirty="0" smtClean="0"/>
+              <a:t> </a:t>
+            </a:r>
+            <a:r>
+              <a:rPr lang="ru-RU" dirty="0" err="1" smtClean="0"/>
+              <a:t>Mw</a:t>
+            </a:r>
+            <a:r>
+              <a:rPr lang="ru-RU" dirty="0" smtClean="0"/>
+              <a:t>[i,j]</a:t>
+            </a:r>
+            <a:r>
+              <a:rPr lang="en-US" dirty="0" smtClean="0"/>
+              <a:t> – </a:t>
+            </a:r>
+            <a:r>
+              <a:rPr lang="en-US" dirty="0" err="1" smtClean="0"/>
+              <a:t>dCw</a:t>
+            </a:r>
+            <a:r>
+              <a:rPr lang="en-US" dirty="0" smtClean="0"/>
+              <a:t> </a:t>
+            </a:r>
+            <a:r>
+              <a:rPr lang="ru-RU" dirty="0" smtClean="0"/>
+              <a:t>)</a:t>
+            </a:r>
+            <a:r>
+              <a:rPr lang="en-US" dirty="0" smtClean="0"/>
+              <a:t> * </a:t>
+            </a:r>
+            <a:r>
+              <a:rPr lang="ru-RU" dirty="0" smtClean="0"/>
+              <a:t>(-</a:t>
+            </a:r>
+            <a:r>
+              <a:rPr lang="ru-RU" dirty="0" smtClean="0"/>
+              <a:t>1)^y[j] </a:t>
             </a:r>
             <a:endParaRPr lang="en-US" dirty="0" smtClean="0"/>
           </a:p>
           <a:p>
-            <a:r>
-              <a:rPr lang="ru-RU" dirty="0" smtClean="0"/>
-              <a:t>где W и H - ширина и высота графического изображения, K - количество цветовых каналов у графического изображения.</a:t>
+            <a:pPr marL="0" indent="0" algn="ctr">
+              <a:buNone/>
+            </a:pPr>
+            <a:r>
+              <a:rPr lang="ru-RU" dirty="0" err="1" smtClean="0"/>
+              <a:t>if</a:t>
+            </a:r>
+            <a:r>
+              <a:rPr lang="ru-RU" dirty="0" smtClean="0"/>
+              <a:t> V[i]&lt;0 </a:t>
+            </a:r>
+            <a:r>
+              <a:rPr lang="ru-RU" dirty="0" err="1" smtClean="0"/>
+              <a:t>then</a:t>
+            </a:r>
+            <a:r>
+              <a:rPr lang="ru-RU" dirty="0" smtClean="0"/>
+              <a:t> x[i] == 0 </a:t>
+            </a:r>
+            <a:r>
+              <a:rPr lang="ru-RU" dirty="0" err="1" smtClean="0"/>
+              <a:t>else</a:t>
+            </a:r>
+            <a:r>
+              <a:rPr lang="ru-RU" dirty="0" smtClean="0"/>
+              <a:t> x[i] == 1 </a:t>
+            </a:r>
+            <a:endParaRPr lang="en-US" dirty="0" smtClean="0"/>
+          </a:p>
+          <a:p>
+            <a:r>
+              <a:rPr lang="ru-RU" dirty="0" smtClean="0"/>
+              <a:t>где </a:t>
+            </a:r>
+            <a:r>
+              <a:rPr lang="ru-RU" dirty="0" err="1" smtClean="0"/>
+              <a:t>Pn</a:t>
+            </a:r>
+            <a:r>
+              <a:rPr lang="ru-RU" dirty="0" smtClean="0"/>
+              <a:t> - значение вероятности у статистики с нормальным распределением, средним значением и значением дисперсии равным </a:t>
+            </a:r>
+            <a:endParaRPr lang="en-US" dirty="0" smtClean="0"/>
+          </a:p>
+          <a:p>
+            <a:pPr marL="0" indent="0" algn="ctr">
+              <a:buNone/>
+            </a:pPr>
+            <a:r>
+              <a:rPr lang="ru-RU" dirty="0" smtClean="0"/>
+              <a:t>A=SQRT( AVG (</a:t>
+            </a:r>
+            <a:r>
+              <a:rPr lang="ru-RU" dirty="0" err="1" smtClean="0"/>
+              <a:t>Cw</a:t>
+            </a:r>
+            <a:r>
+              <a:rPr lang="ru-RU" dirty="0" smtClean="0"/>
+              <a:t>[</a:t>
+            </a:r>
+            <a:r>
+              <a:rPr lang="ru-RU" dirty="0" err="1" smtClean="0"/>
+              <a:t>i,j</a:t>
+            </a:r>
+            <a:r>
+              <a:rPr lang="ru-RU" dirty="0" smtClean="0"/>
+              <a:t>]-</a:t>
+            </a:r>
+            <a:r>
+              <a:rPr lang="ru-RU" dirty="0" err="1" smtClean="0"/>
+              <a:t>Mw</a:t>
+            </a:r>
+            <a:r>
+              <a:rPr lang="ru-RU" dirty="0" smtClean="0"/>
+              <a:t>[</a:t>
+            </a:r>
+            <a:r>
+              <a:rPr lang="ru-RU" dirty="0" err="1" smtClean="0"/>
+              <a:t>i,j</a:t>
+            </a:r>
+            <a:r>
+              <a:rPr lang="ru-RU" dirty="0" smtClean="0"/>
+              <a:t>])^2 ) </a:t>
+            </a:r>
+            <a:endParaRPr lang="en-US" dirty="0" smtClean="0"/>
+          </a:p>
+          <a:p>
+            <a:r>
+              <a:rPr lang="ru-RU" dirty="0" err="1" smtClean="0"/>
+              <a:t>Cw</a:t>
+            </a:r>
+            <a:r>
+              <a:rPr lang="ru-RU" dirty="0" smtClean="0"/>
+              <a:t>[</a:t>
+            </a:r>
+            <a:r>
+              <a:rPr lang="ru-RU" dirty="0" err="1" smtClean="0"/>
+              <a:t>i,j</a:t>
+            </a:r>
+            <a:r>
+              <a:rPr lang="ru-RU" dirty="0" smtClean="0"/>
+              <a:t>] - значение яркости пикселя декодируемого графического изображения сопоставленного i-</a:t>
+            </a:r>
+            <a:r>
+              <a:rPr lang="ru-RU" dirty="0" err="1" smtClean="0"/>
+              <a:t>му</a:t>
+            </a:r>
+            <a:r>
+              <a:rPr lang="ru-RU" dirty="0" smtClean="0"/>
+              <a:t> биту данных x[i] и j-</a:t>
+            </a:r>
+            <a:r>
+              <a:rPr lang="ru-RU" dirty="0" err="1" smtClean="0"/>
+              <a:t>му</a:t>
+            </a:r>
+            <a:r>
+              <a:rPr lang="ru-RU" dirty="0" smtClean="0"/>
+              <a:t> биту псевдослучайной последовательности y[j] </a:t>
+            </a:r>
+            <a:endParaRPr lang="en-US" dirty="0" smtClean="0"/>
+          </a:p>
+          <a:p>
+            <a:r>
+              <a:rPr lang="ru-RU" dirty="0" err="1" smtClean="0"/>
+              <a:t>Mw</a:t>
+            </a:r>
+            <a:r>
+              <a:rPr lang="ru-RU" dirty="0" smtClean="0"/>
+              <a:t>[</a:t>
+            </a:r>
+            <a:r>
+              <a:rPr lang="ru-RU" dirty="0" err="1" smtClean="0"/>
+              <a:t>i,j</a:t>
+            </a:r>
+            <a:r>
+              <a:rPr lang="ru-RU" dirty="0" smtClean="0"/>
+              <a:t>] - значение средней яркости пикселей вокруг пикселя декодируемого графического изображения сопоставленного i-</a:t>
+            </a:r>
+            <a:r>
+              <a:rPr lang="ru-RU" dirty="0" err="1" smtClean="0"/>
+              <a:t>му</a:t>
+            </a:r>
+            <a:r>
+              <a:rPr lang="ru-RU" dirty="0" smtClean="0"/>
+              <a:t> биту данных x[i] и j-</a:t>
+            </a:r>
+            <a:r>
+              <a:rPr lang="ru-RU" dirty="0" err="1" smtClean="0"/>
+              <a:t>му</a:t>
+            </a:r>
+            <a:r>
+              <a:rPr lang="ru-RU" dirty="0" smtClean="0"/>
+              <a:t> биту псевдослучайной последовательности y[j]</a:t>
             </a:r>
             <a:endParaRPr lang="ru-RU" dirty="0"/>
           </a:p>
@@ -8153,7 +8565,7 @@
     </p:spTree>
     <p:extLst>
       <p:ext uri="{BB962C8B-B14F-4D97-AF65-F5344CB8AC3E}">
-        <p14:creationId xmlns:p14="http://schemas.microsoft.com/office/powerpoint/2010/main" val="967657208"/>
+        <p14:creationId xmlns:p14="http://schemas.microsoft.com/office/powerpoint/2010/main" val="955669655"/>
       </p:ext>
     </p:extLst>
   </p:cSld>
@@ -8192,6 +8604,29 @@
         </p:nvSpPr>
         <p:spPr/>
         <p:txBody>
+          <a:bodyPr/>
+          <a:lstStyle/>
+          <a:p>
+            <a:r>
+              <a:rPr lang="ru-RU" dirty="0" smtClean="0"/>
+              <a:t>Требуемый размер изображения</a:t>
+            </a:r>
+            <a:endParaRPr lang="ru-RU" dirty="0"/>
+          </a:p>
+        </p:txBody>
+      </p:sp>
+      <p:sp>
+        <p:nvSpPr>
+          <p:cNvPr id="3" name="Объект 2"/>
+          <p:cNvSpPr>
+            <a:spLocks noGrp="1"/>
+          </p:cNvSpPr>
+          <p:nvPr>
+            <p:ph idx="1"/>
+          </p:nvPr>
+        </p:nvSpPr>
+        <p:spPr/>
+        <p:txBody>
           <a:bodyPr>
             <a:normAutofit/>
           </a:bodyPr>
@@ -8199,44 +8634,36 @@
           <a:p>
             <a:r>
               <a:rPr lang="ru-RU" dirty="0" smtClean="0"/>
-              <a:t>Реализация метода широкополосного сигнала</a:t>
-            </a:r>
-            <a:endParaRPr lang="ru-RU" dirty="0"/>
-          </a:p>
-        </p:txBody>
-      </p:sp>
-      <p:sp>
-        <p:nvSpPr>
-          <p:cNvPr id="3" name="Объект 2"/>
-          <p:cNvSpPr>
-            <a:spLocks noGrp="1"/>
-          </p:cNvSpPr>
-          <p:nvPr>
-            <p:ph idx="1"/>
-          </p:nvPr>
-        </p:nvSpPr>
-        <p:spPr/>
-        <p:txBody>
-          <a:bodyPr>
-            <a:normAutofit/>
-          </a:bodyPr>
-          <a:lstStyle/>
-          <a:p>
-            <a:r>
-              <a:rPr lang="ru-RU" dirty="0" smtClean="0"/>
-              <a:t>Для выработки псевдослучайной последовательности и для выработки индексов позиций для внедрения бит данных в изображение используются алгоритмы с использованием данных, задаваемых пользователем, и называемых стеганографическим ключом.</a:t>
-            </a:r>
-          </a:p>
-          <a:p>
-            <a:r>
-              <a:rPr lang="ru-RU" dirty="0" smtClean="0"/>
-              <a:t>Хотя для выработки псевдослучайной последовательности и для выработки индексов используются криптографические алгоритмы, как алгоритмы с наиболее изученными статистическими свойствами, метод широкополосного сигнала НЕ ЯВЛЯЕТСЯ ШИФРОВАНИЕМ, а является одним из методов скрытной передачи информации, то есть СТЕГАНОГРАФИЧЕСКИМ методом.</a:t>
-            </a:r>
-          </a:p>
-          <a:p>
-            <a:r>
-              <a:rPr lang="ru-RU" dirty="0" smtClean="0"/>
-              <a:t>Значения средней яркости пикселей получены применением графического фильтра размытия к поступившему графическому изображению.</a:t>
+              <a:t>Если</a:t>
+            </a:r>
+          </a:p>
+          <a:p>
+            <a:r>
+              <a:rPr lang="ru-RU" dirty="0" smtClean="0"/>
+              <a:t>L8 - количество бит передаваемых данных</a:t>
+            </a:r>
+          </a:p>
+          <a:p>
+            <a:r>
+              <a:rPr lang="ru-RU" dirty="0" smtClean="0"/>
+              <a:t>N - количество изменяемых пикселей на каждый переданный бит то требуемое количество пикселей в графическом изображении должно быть не менее L8N, то есть должно выполняться неравенство </a:t>
+            </a:r>
+            <a:endParaRPr lang="en-US" dirty="0" smtClean="0"/>
+          </a:p>
+          <a:p>
+            <a:pPr marL="0" indent="0" algn="ctr">
+              <a:buNone/>
+            </a:pPr>
+            <a:r>
+              <a:rPr lang="ru-RU" dirty="0" smtClean="0"/>
+              <a:t>L8N &gt;= WHK, </a:t>
+            </a:r>
+            <a:endParaRPr lang="en-US" dirty="0" smtClean="0"/>
+          </a:p>
+          <a:p>
+            <a:r>
+              <a:rPr lang="ru-RU" dirty="0" smtClean="0"/>
+              <a:t>где W и H - ширина и высота графического изображения, K - количество цветовых каналов у графического изображения.</a:t>
             </a:r>
             <a:endParaRPr lang="ru-RU" dirty="0"/>
           </a:p>
@@ -8268,7 +8695,7 @@
     </p:spTree>
     <p:extLst>
       <p:ext uri="{BB962C8B-B14F-4D97-AF65-F5344CB8AC3E}">
-        <p14:creationId xmlns:p14="http://schemas.microsoft.com/office/powerpoint/2010/main" val="3802373659"/>
+        <p14:creationId xmlns:p14="http://schemas.microsoft.com/office/powerpoint/2010/main" val="967657208"/>
       </p:ext>
     </p:extLst>
   </p:cSld>
@@ -8314,6 +8741,121 @@
           <a:p>
             <a:r>
               <a:rPr lang="ru-RU" dirty="0" smtClean="0"/>
+              <a:t>Реализация метода широкополосного сигнала</a:t>
+            </a:r>
+            <a:endParaRPr lang="ru-RU" dirty="0"/>
+          </a:p>
+        </p:txBody>
+      </p:sp>
+      <p:sp>
+        <p:nvSpPr>
+          <p:cNvPr id="3" name="Объект 2"/>
+          <p:cNvSpPr>
+            <a:spLocks noGrp="1"/>
+          </p:cNvSpPr>
+          <p:nvPr>
+            <p:ph idx="1"/>
+          </p:nvPr>
+        </p:nvSpPr>
+        <p:spPr/>
+        <p:txBody>
+          <a:bodyPr>
+            <a:normAutofit/>
+          </a:bodyPr>
+          <a:lstStyle/>
+          <a:p>
+            <a:r>
+              <a:rPr lang="ru-RU" dirty="0" smtClean="0"/>
+              <a:t>Для выработки псевдослучайной последовательности и для выработки индексов позиций для внедрения бит данных в изображение используются алгоритмы с использованием данных, задаваемых пользователем, и называемых стеганографическим ключом.</a:t>
+            </a:r>
+          </a:p>
+          <a:p>
+            <a:r>
+              <a:rPr lang="ru-RU" dirty="0" smtClean="0"/>
+              <a:t>Хотя для выработки псевдослучайной последовательности и для выработки индексов используются криптографические алгоритмы, как алгоритмы с наиболее изученными статистическими свойствами, метод широкополосного сигнала НЕ ЯВЛЯЕТСЯ ШИФРОВАНИЕМ, а является одним из методов скрытной передачи информации, то есть СТЕГАНОГРАФИЧЕСКИМ методом.</a:t>
+            </a:r>
+          </a:p>
+          <a:p>
+            <a:r>
+              <a:rPr lang="ru-RU" dirty="0" smtClean="0"/>
+              <a:t>Значения средней яркости пикселей получены применением графического фильтра размытия к поступившему графическому изображению.</a:t>
+            </a:r>
+            <a:endParaRPr lang="ru-RU" dirty="0"/>
+          </a:p>
+        </p:txBody>
+      </p:sp>
+      <p:sp>
+        <p:nvSpPr>
+          <p:cNvPr id="4" name="Нижний колонтитул 3"/>
+          <p:cNvSpPr>
+            <a:spLocks noGrp="1"/>
+          </p:cNvSpPr>
+          <p:nvPr>
+            <p:ph type="ftr" sz="quarter" idx="11"/>
+          </p:nvPr>
+        </p:nvSpPr>
+        <p:spPr/>
+        <p:txBody>
+          <a:bodyPr/>
+          <a:lstStyle/>
+          <a:p>
+            <a:r>
+              <a:rPr lang="en-US" smtClean="0"/>
+              <a:t>dmitry@protopopov.ru</a:t>
+            </a:r>
+            <a:endParaRPr lang="ru-RU"/>
+          </a:p>
+        </p:txBody>
+      </p:sp>
+    </p:spTree>
+    <p:extLst>
+      <p:ext uri="{BB962C8B-B14F-4D97-AF65-F5344CB8AC3E}">
+        <p14:creationId xmlns:p14="http://schemas.microsoft.com/office/powerpoint/2010/main" val="3802373659"/>
+      </p:ext>
+    </p:extLst>
+  </p:cSld>
+  <p:clrMapOvr>
+    <a:masterClrMapping/>
+  </p:clrMapOvr>
+</p:sld>
+</file>
+
+<file path=ppt/slides/slide19.xml><?xml version="1.0" encoding="utf-8"?>
+<p:sld xmlns:a="http://schemas.openxmlformats.org/drawingml/2006/main" xmlns:r="http://schemas.openxmlformats.org/officeDocument/2006/relationships" xmlns:p="http://schemas.openxmlformats.org/presentationml/2006/main">
+  <p:cSld>
+    <p:spTree>
+      <p:nvGrpSpPr>
+        <p:cNvPr id="1" name=""/>
+        <p:cNvGrpSpPr/>
+        <p:nvPr/>
+      </p:nvGrpSpPr>
+      <p:grpSpPr>
+        <a:xfrm>
+          <a:off x="0" y="0"/>
+          <a:ext cx="0" cy="0"/>
+          <a:chOff x="0" y="0"/>
+          <a:chExt cx="0" cy="0"/>
+        </a:xfrm>
+      </p:grpSpPr>
+      <p:sp>
+        <p:nvSpPr>
+          <p:cNvPr id="2" name="Заголовок 1"/>
+          <p:cNvSpPr>
+            <a:spLocks noGrp="1"/>
+          </p:cNvSpPr>
+          <p:nvPr>
+            <p:ph type="title"/>
+          </p:nvPr>
+        </p:nvSpPr>
+        <p:spPr/>
+        <p:txBody>
+          <a:bodyPr>
+            <a:normAutofit/>
+          </a:bodyPr>
+          <a:lstStyle/>
+          <a:p>
+            <a:r>
+              <a:rPr lang="ru-RU" dirty="0" smtClean="0"/>
               <a:t>Дополнительные опции в текущей реализации библиотеки</a:t>
             </a:r>
             <a:endParaRPr lang="ru-RU" dirty="0"/>
@@ -8333,7 +8875,7 @@
         <p:spPr/>
         <p:txBody>
           <a:bodyPr>
-            <a:normAutofit fontScale="85000" lnSpcReduction="20000"/>
+            <a:normAutofit fontScale="70000" lnSpcReduction="20000"/>
           </a:bodyPr>
           <a:lstStyle/>
           <a:p>
@@ -8348,7 +8890,18 @@
           <a:p>
             <a:r>
               <a:rPr lang="ru-RU" dirty="0" smtClean="0"/>
-              <a:t>исходный образец графического изображения может быть автоматически масштабирован до размера достаточного для передачи всех необходимых данных</a:t>
+              <a:t>Возможно использование в качестве контейнера для данных либо самого изображения, либо его спектр, полученный в результате дискретных Фурье преобразований.</a:t>
+            </a:r>
+            <a:endParaRPr lang="en-US" dirty="0" smtClean="0"/>
+          </a:p>
+          <a:p>
+            <a:r>
+              <a:rPr lang="ru-RU" dirty="0" smtClean="0"/>
+              <a:t>исходный </a:t>
+            </a:r>
+            <a:r>
+              <a:rPr lang="ru-RU" dirty="0" smtClean="0"/>
+              <a:t>образец графического изображения может быть автоматически масштабирован до размера достаточного для передачи всех необходимых данных</a:t>
             </a:r>
           </a:p>
           <a:p>
@@ -8428,7 +8981,165 @@
 </p:sld>
 </file>
 
-<file path=ppt/slides/slide19.xml><?xml version="1.0" encoding="utf-8"?>
+<file path=ppt/slides/slide2.xml><?xml version="1.0" encoding="utf-8"?>
+<p:sld xmlns:a="http://schemas.openxmlformats.org/drawingml/2006/main" xmlns:r="http://schemas.openxmlformats.org/officeDocument/2006/relationships" xmlns:p="http://schemas.openxmlformats.org/presentationml/2006/main">
+  <p:cSld>
+    <p:spTree>
+      <p:nvGrpSpPr>
+        <p:cNvPr id="1" name=""/>
+        <p:cNvGrpSpPr/>
+        <p:nvPr/>
+      </p:nvGrpSpPr>
+      <p:grpSpPr>
+        <a:xfrm>
+          <a:off x="0" y="0"/>
+          <a:ext cx="0" cy="0"/>
+          <a:chOff x="0" y="0"/>
+          <a:chExt cx="0" cy="0"/>
+        </a:xfrm>
+      </p:grpSpPr>
+      <p:sp>
+        <p:nvSpPr>
+          <p:cNvPr id="2" name="Заголовок 1"/>
+          <p:cNvSpPr>
+            <a:spLocks noGrp="1"/>
+          </p:cNvSpPr>
+          <p:nvPr>
+            <p:ph type="title"/>
+          </p:nvPr>
+        </p:nvSpPr>
+        <p:spPr/>
+        <p:txBody>
+          <a:bodyPr>
+            <a:normAutofit fontScale="90000"/>
+          </a:bodyPr>
+          <a:lstStyle/>
+          <a:p>
+            <a:r>
+              <a:rPr lang="ru-RU" dirty="0" smtClean="0"/>
+              <a:t>Предисловие</a:t>
+            </a:r>
+            <a:r>
+              <a:rPr lang="en-US" dirty="0" smtClean="0"/>
+              <a:t/>
+            </a:r>
+            <a:br>
+              <a:rPr lang="en-US" dirty="0" smtClean="0"/>
+            </a:br>
+            <a:r>
+              <a:rPr lang="ru-RU" sz="2200" dirty="0" smtClean="0"/>
+              <a:t>из статьи КОМПЬЮТЕРНАЯ СТЕГАНОГРАФИЯ ВЧЕРА, СЕГОДНЯ, ЗАВТРА. Технологии информационной безопасности 21 века. /Барсуков В. С., к.т.н., Романцов А.П./1998</a:t>
+            </a:r>
+            <a:endParaRPr lang="ru-RU" sz="2200" dirty="0"/>
+          </a:p>
+        </p:txBody>
+      </p:sp>
+      <p:sp>
+        <p:nvSpPr>
+          <p:cNvPr id="3" name="Объект 2"/>
+          <p:cNvSpPr>
+            <a:spLocks noGrp="1"/>
+          </p:cNvSpPr>
+          <p:nvPr>
+            <p:ph idx="1"/>
+          </p:nvPr>
+        </p:nvSpPr>
+        <p:spPr/>
+        <p:txBody>
+          <a:bodyPr>
+            <a:normAutofit fontScale="85000" lnSpcReduction="20000"/>
+          </a:bodyPr>
+          <a:lstStyle/>
+          <a:p>
+            <a:pPr marL="0" indent="0">
+              <a:buNone/>
+            </a:pPr>
+            <a:r>
+              <a:rPr lang="ru-RU" dirty="0"/>
+              <a:t>Задача надежной защиты информации от несанкционированного доступа является одной из древнейших и не решенных до настоящего времени проблем. Способы и методы скрытия секретных сообщений известны с давних времен, причем, данная сфера человеческой деятельности получила название стеганография. Это слово происходит от греческих слов steganos (секрет, тайна) и graphy (запись) и, таким образом, означает буквально “тайнопись”, хотя методы стеганографии появились, вероятно, раньше, чем появилась сама письменность (первоначально использовались условные знаки и обозначения). </a:t>
+            </a:r>
+            <a:endParaRPr lang="ru-RU" dirty="0" smtClean="0"/>
+          </a:p>
+          <a:p>
+            <a:pPr marL="0" indent="0">
+              <a:buNone/>
+            </a:pPr>
+            <a:r>
+              <a:rPr lang="ru-RU" dirty="0" smtClean="0"/>
+              <a:t>В </a:t>
+            </a:r>
+            <a:r>
+              <a:rPr lang="ru-RU" dirty="0"/>
+              <a:t>дальнейшем для защиты информации стали использоваться более эффективные на время создания методы кодирования и криптографии. </a:t>
+            </a:r>
+            <a:endParaRPr lang="ru-RU" dirty="0" smtClean="0"/>
+          </a:p>
+          <a:p>
+            <a:pPr marL="0" indent="0">
+              <a:buNone/>
+            </a:pPr>
+            <a:r>
+              <a:rPr lang="ru-RU" dirty="0" smtClean="0"/>
+              <a:t>Как </a:t>
+            </a:r>
+            <a:r>
+              <a:rPr lang="ru-RU" dirty="0"/>
+              <a:t>известно, цель криптографии состоит в блокировании несанкционированного доступа к информации путем шифрования содержания секретных сообщений. Стеганография имеет другую задачу, и ее цель — скрыть сам факт существования секретного сообщения. При этом, оба способа могут быть объединены и использованы для повышения эффективности защиты информации (например, для передачи криптографических ключей). </a:t>
+            </a:r>
+            <a:endParaRPr lang="ru-RU" dirty="0" smtClean="0"/>
+          </a:p>
+          <a:p>
+            <a:pPr marL="0" indent="0">
+              <a:buNone/>
+            </a:pPr>
+            <a:r>
+              <a:rPr lang="ru-RU" dirty="0" smtClean="0"/>
+              <a:t>Как </a:t>
+            </a:r>
+            <a:r>
+              <a:rPr lang="ru-RU" dirty="0"/>
+              <a:t>и любые инструменты, стеганографические методы требуют к себе внимания и осторожного обращения, так как могут быть использованы как для целей защиты, так и для целей нападения.</a:t>
+            </a:r>
+          </a:p>
+        </p:txBody>
+      </p:sp>
+      <p:sp>
+        <p:nvSpPr>
+          <p:cNvPr id="4" name="Нижний колонтитул 3"/>
+          <p:cNvSpPr>
+            <a:spLocks noGrp="1"/>
+          </p:cNvSpPr>
+          <p:nvPr>
+            <p:ph type="ftr" sz="quarter" idx="11"/>
+          </p:nvPr>
+        </p:nvSpPr>
+        <p:spPr/>
+        <p:txBody>
+          <a:bodyPr/>
+          <a:lstStyle/>
+          <a:p>
+            <a:r>
+              <a:rPr lang="en-US" smtClean="0"/>
+              <a:t>dmitry@protopopov.ru</a:t>
+            </a:r>
+            <a:endParaRPr lang="ru-RU"/>
+          </a:p>
+        </p:txBody>
+      </p:sp>
+    </p:spTree>
+    <p:extLst>
+      <p:ext uri="{BB962C8B-B14F-4D97-AF65-F5344CB8AC3E}">
+        <p14:creationId xmlns:p14="http://schemas.microsoft.com/office/powerpoint/2010/main" val="446774326"/>
+      </p:ext>
+    </p:extLst>
+  </p:cSld>
+  <p:clrMapOvr>
+    <a:masterClrMapping/>
+  </p:clrMapOvr>
+</p:sld>
+</file>
+
+<file path=ppt/slides/slide20.xml><?xml version="1.0" encoding="utf-8"?>
 <p:sld xmlns:a="http://schemas.openxmlformats.org/drawingml/2006/main" xmlns:r="http://schemas.openxmlformats.org/officeDocument/2006/relationships" xmlns:p="http://schemas.openxmlformats.org/presentationml/2006/main">
   <p:cSld>
     <p:spTree>
@@ -8529,165 +9240,7 @@
 </p:sld>
 </file>
 
-<file path=ppt/slides/slide2.xml><?xml version="1.0" encoding="utf-8"?>
-<p:sld xmlns:a="http://schemas.openxmlformats.org/drawingml/2006/main" xmlns:r="http://schemas.openxmlformats.org/officeDocument/2006/relationships" xmlns:p="http://schemas.openxmlformats.org/presentationml/2006/main">
-  <p:cSld>
-    <p:spTree>
-      <p:nvGrpSpPr>
-        <p:cNvPr id="1" name=""/>
-        <p:cNvGrpSpPr/>
-        <p:nvPr/>
-      </p:nvGrpSpPr>
-      <p:grpSpPr>
-        <a:xfrm>
-          <a:off x="0" y="0"/>
-          <a:ext cx="0" cy="0"/>
-          <a:chOff x="0" y="0"/>
-          <a:chExt cx="0" cy="0"/>
-        </a:xfrm>
-      </p:grpSpPr>
-      <p:sp>
-        <p:nvSpPr>
-          <p:cNvPr id="2" name="Заголовок 1"/>
-          <p:cNvSpPr>
-            <a:spLocks noGrp="1"/>
-          </p:cNvSpPr>
-          <p:nvPr>
-            <p:ph type="title"/>
-          </p:nvPr>
-        </p:nvSpPr>
-        <p:spPr/>
-        <p:txBody>
-          <a:bodyPr>
-            <a:normAutofit fontScale="90000"/>
-          </a:bodyPr>
-          <a:lstStyle/>
-          <a:p>
-            <a:r>
-              <a:rPr lang="ru-RU" dirty="0" smtClean="0"/>
-              <a:t>Предисловие</a:t>
-            </a:r>
-            <a:r>
-              <a:rPr lang="en-US" dirty="0" smtClean="0"/>
-              <a:t/>
-            </a:r>
-            <a:br>
-              <a:rPr lang="en-US" dirty="0" smtClean="0"/>
-            </a:br>
-            <a:r>
-              <a:rPr lang="ru-RU" sz="2200" dirty="0" smtClean="0"/>
-              <a:t>из статьи КОМПЬЮТЕРНАЯ СТЕГАНОГРАФИЯ ВЧЕРА, СЕГОДНЯ, ЗАВТРА. Технологии информационной безопасности 21 века. /Барсуков В. С., к.т.н., Романцов А.П./1998</a:t>
-            </a:r>
-            <a:endParaRPr lang="ru-RU" sz="2200" dirty="0"/>
-          </a:p>
-        </p:txBody>
-      </p:sp>
-      <p:sp>
-        <p:nvSpPr>
-          <p:cNvPr id="3" name="Объект 2"/>
-          <p:cNvSpPr>
-            <a:spLocks noGrp="1"/>
-          </p:cNvSpPr>
-          <p:nvPr>
-            <p:ph idx="1"/>
-          </p:nvPr>
-        </p:nvSpPr>
-        <p:spPr/>
-        <p:txBody>
-          <a:bodyPr>
-            <a:normAutofit fontScale="85000" lnSpcReduction="20000"/>
-          </a:bodyPr>
-          <a:lstStyle/>
-          <a:p>
-            <a:pPr marL="0" indent="0">
-              <a:buNone/>
-            </a:pPr>
-            <a:r>
-              <a:rPr lang="ru-RU" dirty="0"/>
-              <a:t>Задача надежной защиты информации от несанкционированного доступа является одной из древнейших и не решенных до настоящего времени проблем. Способы и методы скрытия секретных сообщений известны с давних времен, причем, данная сфера человеческой деятельности получила название стеганография. Это слово происходит от греческих слов steganos (секрет, тайна) и graphy (запись) и, таким образом, означает буквально “тайнопись”, хотя методы стеганографии появились, вероятно, раньше, чем появилась сама письменность (первоначально использовались условные знаки и обозначения). </a:t>
-            </a:r>
-            <a:endParaRPr lang="ru-RU" dirty="0" smtClean="0"/>
-          </a:p>
-          <a:p>
-            <a:pPr marL="0" indent="0">
-              <a:buNone/>
-            </a:pPr>
-            <a:r>
-              <a:rPr lang="ru-RU" dirty="0" smtClean="0"/>
-              <a:t>В </a:t>
-            </a:r>
-            <a:r>
-              <a:rPr lang="ru-RU" dirty="0"/>
-              <a:t>дальнейшем для защиты информации стали использоваться более эффективные на время создания методы кодирования и криптографии. </a:t>
-            </a:r>
-            <a:endParaRPr lang="ru-RU" dirty="0" smtClean="0"/>
-          </a:p>
-          <a:p>
-            <a:pPr marL="0" indent="0">
-              <a:buNone/>
-            </a:pPr>
-            <a:r>
-              <a:rPr lang="ru-RU" dirty="0" smtClean="0"/>
-              <a:t>Как </a:t>
-            </a:r>
-            <a:r>
-              <a:rPr lang="ru-RU" dirty="0"/>
-              <a:t>известно, цель криптографии состоит в блокировании несанкционированного доступа к информации путем шифрования содержания секретных сообщений. Стеганография имеет другую задачу, и ее цель — скрыть сам факт существования секретного сообщения. При этом, оба способа могут быть объединены и использованы для повышения эффективности защиты информации (например, для передачи криптографических ключей). </a:t>
-            </a:r>
-            <a:endParaRPr lang="ru-RU" dirty="0" smtClean="0"/>
-          </a:p>
-          <a:p>
-            <a:pPr marL="0" indent="0">
-              <a:buNone/>
-            </a:pPr>
-            <a:r>
-              <a:rPr lang="ru-RU" dirty="0" smtClean="0"/>
-              <a:t>Как </a:t>
-            </a:r>
-            <a:r>
-              <a:rPr lang="ru-RU" dirty="0"/>
-              <a:t>и любые инструменты, стеганографические методы требуют к себе внимания и осторожного обращения, так как могут быть использованы как для целей защиты, так и для целей нападения.</a:t>
-            </a:r>
-          </a:p>
-        </p:txBody>
-      </p:sp>
-      <p:sp>
-        <p:nvSpPr>
-          <p:cNvPr id="4" name="Нижний колонтитул 3"/>
-          <p:cNvSpPr>
-            <a:spLocks noGrp="1"/>
-          </p:cNvSpPr>
-          <p:nvPr>
-            <p:ph type="ftr" sz="quarter" idx="11"/>
-          </p:nvPr>
-        </p:nvSpPr>
-        <p:spPr/>
-        <p:txBody>
-          <a:bodyPr/>
-          <a:lstStyle/>
-          <a:p>
-            <a:r>
-              <a:rPr lang="en-US" smtClean="0"/>
-              <a:t>dmitry@protopopov.ru</a:t>
-            </a:r>
-            <a:endParaRPr lang="ru-RU"/>
-          </a:p>
-        </p:txBody>
-      </p:sp>
-    </p:spTree>
-    <p:extLst>
-      <p:ext uri="{BB962C8B-B14F-4D97-AF65-F5344CB8AC3E}">
-        <p14:creationId xmlns:p14="http://schemas.microsoft.com/office/powerpoint/2010/main" val="446774326"/>
-      </p:ext>
-    </p:extLst>
-  </p:cSld>
-  <p:clrMapOvr>
-    <a:masterClrMapping/>
-  </p:clrMapOvr>
-</p:sld>
-</file>
-
-<file path=ppt/slides/slide20.xml><?xml version="1.0" encoding="utf-8"?>
+<file path=ppt/slides/slide21.xml><?xml version="1.0" encoding="utf-8"?>
 <p:sld xmlns:a="http://schemas.openxmlformats.org/drawingml/2006/main" xmlns:r="http://schemas.openxmlformats.org/officeDocument/2006/relationships" xmlns:p="http://schemas.openxmlformats.org/presentationml/2006/main">
   <p:cSld>
     <p:spTree>
@@ -8790,176 +9343,6 @@
 </p:sld>
 </file>
 
-<file path=ppt/slides/slide21.xml><?xml version="1.0" encoding="utf-8"?>
-<p:sld xmlns:a="http://schemas.openxmlformats.org/drawingml/2006/main" xmlns:r="http://schemas.openxmlformats.org/officeDocument/2006/relationships" xmlns:p="http://schemas.openxmlformats.org/presentationml/2006/main">
-  <p:cSld>
-    <p:spTree>
-      <p:nvGrpSpPr>
-        <p:cNvPr id="1" name=""/>
-        <p:cNvGrpSpPr/>
-        <p:nvPr/>
-      </p:nvGrpSpPr>
-      <p:grpSpPr>
-        <a:xfrm>
-          <a:off x="0" y="0"/>
-          <a:ext cx="0" cy="0"/>
-          <a:chOff x="0" y="0"/>
-          <a:chExt cx="0" cy="0"/>
-        </a:xfrm>
-      </p:grpSpPr>
-      <p:sp>
-        <p:nvSpPr>
-          <p:cNvPr id="2" name="Заголовок 1"/>
-          <p:cNvSpPr>
-            <a:spLocks noGrp="1"/>
-          </p:cNvSpPr>
-          <p:nvPr>
-            <p:ph type="title"/>
-          </p:nvPr>
-        </p:nvSpPr>
-        <p:spPr/>
-        <p:txBody>
-          <a:bodyPr/>
-          <a:lstStyle/>
-          <a:p>
-            <a:r>
-              <a:rPr lang="ru-RU" dirty="0" smtClean="0"/>
-              <a:t>Используемое программное обеспечение</a:t>
-            </a:r>
-            <a:endParaRPr lang="ru-RU" dirty="0"/>
-          </a:p>
-        </p:txBody>
-      </p:sp>
-      <p:sp>
-        <p:nvSpPr>
-          <p:cNvPr id="3" name="Объект 2"/>
-          <p:cNvSpPr>
-            <a:spLocks noGrp="1"/>
-          </p:cNvSpPr>
-          <p:nvPr>
-            <p:ph idx="1"/>
-          </p:nvPr>
-        </p:nvSpPr>
-        <p:spPr/>
-        <p:txBody>
-          <a:bodyPr>
-            <a:normAutofit/>
-          </a:bodyPr>
-          <a:lstStyle/>
-          <a:p>
-            <a:r>
-              <a:rPr lang="en-US" dirty="0" smtClean="0"/>
-              <a:t>Microsoft Visual Studio 2013 C# - </a:t>
-            </a:r>
-            <a:r>
-              <a:rPr lang="ru-RU" dirty="0" smtClean="0"/>
-              <a:t>среда и язык программирования</a:t>
-            </a:r>
-          </a:p>
-          <a:p>
-            <a:r>
-              <a:rPr lang="en-US" dirty="0" smtClean="0"/>
-              <a:t>EmguCV/OpenCV – C#/C++ </a:t>
-            </a:r>
-            <a:r>
-              <a:rPr lang="ru-RU" dirty="0" smtClean="0"/>
-              <a:t>библиотека структур и алгоритмов для обработки изображений</a:t>
-            </a:r>
-          </a:p>
-          <a:p>
-            <a:r>
-              <a:rPr lang="en-US" dirty="0" smtClean="0"/>
-              <a:t>FFTWSharp/FFTW – C#/C++ </a:t>
-            </a:r>
-            <a:r>
-              <a:rPr lang="ru-RU" dirty="0" smtClean="0"/>
-              <a:t>библиотека реализующая алгоритмы быстрого дискретного преобразования Фурье</a:t>
-            </a:r>
-          </a:p>
-          <a:p>
-            <a:r>
-              <a:rPr lang="en-US" dirty="0" err="1" smtClean="0"/>
-              <a:t>ZXing.Net</a:t>
-            </a:r>
-            <a:r>
-              <a:rPr lang="en-US" dirty="0" smtClean="0"/>
-              <a:t> - </a:t>
-            </a:r>
-            <a:r>
-              <a:rPr lang="en-US" dirty="0" err="1" smtClean="0"/>
-              <a:t>.Net</a:t>
-            </a:r>
-            <a:r>
-              <a:rPr lang="en-US" dirty="0" smtClean="0"/>
-              <a:t> </a:t>
-            </a:r>
-            <a:r>
-              <a:rPr lang="ru-RU" dirty="0" smtClean="0"/>
-              <a:t>библиотека для обработки </a:t>
-            </a:r>
-            <a:r>
-              <a:rPr lang="ru-RU" dirty="0" err="1" smtClean="0"/>
-              <a:t>баркодов</a:t>
-            </a:r>
-            <a:endParaRPr lang="ru-RU" dirty="0" smtClean="0"/>
-          </a:p>
-          <a:p>
-            <a:r>
-              <a:rPr lang="en-US" dirty="0" err="1" smtClean="0"/>
-              <a:t>FFTTools</a:t>
-            </a:r>
-            <a:r>
-              <a:rPr lang="en-US" dirty="0" smtClean="0"/>
-              <a:t> - C# </a:t>
-            </a:r>
-            <a:r>
-              <a:rPr lang="ru-RU" dirty="0" smtClean="0"/>
-              <a:t>библиотека реализующая алгоритмы использования БФП для цифровой обработки изображений </a:t>
-            </a:r>
-            <a:r>
-              <a:rPr lang="en-US" dirty="0" smtClean="0"/>
-              <a:t>https://github.com/dprotopopov/FFTTools</a:t>
-            </a:r>
-            <a:endParaRPr lang="ru-RU" dirty="0"/>
-          </a:p>
-        </p:txBody>
-      </p:sp>
-      <p:sp>
-        <p:nvSpPr>
-          <p:cNvPr id="4" name="Нижний колонтитул 3"/>
-          <p:cNvSpPr>
-            <a:spLocks noGrp="1"/>
-          </p:cNvSpPr>
-          <p:nvPr>
-            <p:ph type="ftr" sz="quarter" idx="11"/>
-          </p:nvPr>
-        </p:nvSpPr>
-        <p:spPr/>
-        <p:txBody>
-          <a:bodyPr/>
-          <a:lstStyle/>
-          <a:p>
-            <a:r>
-              <a:rPr lang="en-US" smtClean="0"/>
-              <a:t>dmitry@protopopov.ru</a:t>
-            </a:r>
-            <a:endParaRPr lang="ru-RU"/>
-          </a:p>
-        </p:txBody>
-      </p:sp>
-    </p:spTree>
-    <p:extLst>
-      <p:ext uri="{BB962C8B-B14F-4D97-AF65-F5344CB8AC3E}">
-        <p14:creationId xmlns:p14="http://schemas.microsoft.com/office/powerpoint/2010/main" val="2136133094"/>
-      </p:ext>
-    </p:extLst>
-  </p:cSld>
-  <p:clrMapOvr>
-    <a:masterClrMapping/>
-  </p:clrMapOvr>
-</p:sld>
-</file>
-
 <file path=ppt/slides/slide22.xml><?xml version="1.0" encoding="utf-8"?>
 <p:sld xmlns:a="http://schemas.openxmlformats.org/drawingml/2006/main" xmlns:r="http://schemas.openxmlformats.org/officeDocument/2006/relationships" xmlns:p="http://schemas.openxmlformats.org/presentationml/2006/main">
   <p:cSld>
@@ -8994,6 +9377,176 @@
           <a:p>
             <a:r>
               <a:rPr lang="ru-RU" dirty="0" smtClean="0"/>
+              <a:t>Используемое программное обеспечение</a:t>
+            </a:r>
+            <a:endParaRPr lang="ru-RU" dirty="0"/>
+          </a:p>
+        </p:txBody>
+      </p:sp>
+      <p:sp>
+        <p:nvSpPr>
+          <p:cNvPr id="3" name="Объект 2"/>
+          <p:cNvSpPr>
+            <a:spLocks noGrp="1"/>
+          </p:cNvSpPr>
+          <p:nvPr>
+            <p:ph idx="1"/>
+          </p:nvPr>
+        </p:nvSpPr>
+        <p:spPr/>
+        <p:txBody>
+          <a:bodyPr>
+            <a:normAutofit/>
+          </a:bodyPr>
+          <a:lstStyle/>
+          <a:p>
+            <a:r>
+              <a:rPr lang="en-US" dirty="0" smtClean="0"/>
+              <a:t>Microsoft Visual Studio 2013 C# - </a:t>
+            </a:r>
+            <a:r>
+              <a:rPr lang="ru-RU" dirty="0" smtClean="0"/>
+              <a:t>среда и язык программирования</a:t>
+            </a:r>
+          </a:p>
+          <a:p>
+            <a:r>
+              <a:rPr lang="en-US" dirty="0" smtClean="0"/>
+              <a:t>EmguCV/OpenCV – C#/C++ </a:t>
+            </a:r>
+            <a:r>
+              <a:rPr lang="ru-RU" dirty="0" smtClean="0"/>
+              <a:t>библиотека структур и алгоритмов для обработки изображений</a:t>
+            </a:r>
+          </a:p>
+          <a:p>
+            <a:r>
+              <a:rPr lang="en-US" dirty="0" smtClean="0"/>
+              <a:t>FFTWSharp/FFTW – C#/C++ </a:t>
+            </a:r>
+            <a:r>
+              <a:rPr lang="ru-RU" dirty="0" smtClean="0"/>
+              <a:t>библиотека реализующая алгоритмы быстрого дискретного преобразования Фурье</a:t>
+            </a:r>
+          </a:p>
+          <a:p>
+            <a:r>
+              <a:rPr lang="en-US" dirty="0" err="1" smtClean="0"/>
+              <a:t>ZXing.Net</a:t>
+            </a:r>
+            <a:r>
+              <a:rPr lang="en-US" dirty="0" smtClean="0"/>
+              <a:t> - </a:t>
+            </a:r>
+            <a:r>
+              <a:rPr lang="en-US" dirty="0" err="1" smtClean="0"/>
+              <a:t>.Net</a:t>
+            </a:r>
+            <a:r>
+              <a:rPr lang="en-US" dirty="0" smtClean="0"/>
+              <a:t> </a:t>
+            </a:r>
+            <a:r>
+              <a:rPr lang="ru-RU" dirty="0" smtClean="0"/>
+              <a:t>библиотека для обработки </a:t>
+            </a:r>
+            <a:r>
+              <a:rPr lang="ru-RU" dirty="0" err="1" smtClean="0"/>
+              <a:t>баркодов</a:t>
+            </a:r>
+            <a:endParaRPr lang="ru-RU" dirty="0" smtClean="0"/>
+          </a:p>
+          <a:p>
+            <a:r>
+              <a:rPr lang="en-US" dirty="0" err="1" smtClean="0"/>
+              <a:t>FFTTools</a:t>
+            </a:r>
+            <a:r>
+              <a:rPr lang="en-US" dirty="0" smtClean="0"/>
+              <a:t> - C# </a:t>
+            </a:r>
+            <a:r>
+              <a:rPr lang="ru-RU" dirty="0" smtClean="0"/>
+              <a:t>библиотека реализующая алгоритмы использования БФП для цифровой обработки изображений </a:t>
+            </a:r>
+            <a:r>
+              <a:rPr lang="en-US" dirty="0" smtClean="0"/>
+              <a:t>https://github.com/dprotopopov/FFTTools</a:t>
+            </a:r>
+            <a:endParaRPr lang="ru-RU" dirty="0"/>
+          </a:p>
+        </p:txBody>
+      </p:sp>
+      <p:sp>
+        <p:nvSpPr>
+          <p:cNvPr id="4" name="Нижний колонтитул 3"/>
+          <p:cNvSpPr>
+            <a:spLocks noGrp="1"/>
+          </p:cNvSpPr>
+          <p:nvPr>
+            <p:ph type="ftr" sz="quarter" idx="11"/>
+          </p:nvPr>
+        </p:nvSpPr>
+        <p:spPr/>
+        <p:txBody>
+          <a:bodyPr/>
+          <a:lstStyle/>
+          <a:p>
+            <a:r>
+              <a:rPr lang="en-US" smtClean="0"/>
+              <a:t>dmitry@protopopov.ru</a:t>
+            </a:r>
+            <a:endParaRPr lang="ru-RU"/>
+          </a:p>
+        </p:txBody>
+      </p:sp>
+    </p:spTree>
+    <p:extLst>
+      <p:ext uri="{BB962C8B-B14F-4D97-AF65-F5344CB8AC3E}">
+        <p14:creationId xmlns:p14="http://schemas.microsoft.com/office/powerpoint/2010/main" val="2136133094"/>
+      </p:ext>
+    </p:extLst>
+  </p:cSld>
+  <p:clrMapOvr>
+    <a:masterClrMapping/>
+  </p:clrMapOvr>
+</p:sld>
+</file>
+
+<file path=ppt/slides/slide23.xml><?xml version="1.0" encoding="utf-8"?>
+<p:sld xmlns:a="http://schemas.openxmlformats.org/drawingml/2006/main" xmlns:r="http://schemas.openxmlformats.org/officeDocument/2006/relationships" xmlns:p="http://schemas.openxmlformats.org/presentationml/2006/main">
+  <p:cSld>
+    <p:spTree>
+      <p:nvGrpSpPr>
+        <p:cNvPr id="1" name=""/>
+        <p:cNvGrpSpPr/>
+        <p:nvPr/>
+      </p:nvGrpSpPr>
+      <p:grpSpPr>
+        <a:xfrm>
+          <a:off x="0" y="0"/>
+          <a:ext cx="0" cy="0"/>
+          <a:chOff x="0" y="0"/>
+          <a:chExt cx="0" cy="0"/>
+        </a:xfrm>
+      </p:grpSpPr>
+      <p:sp>
+        <p:nvSpPr>
+          <p:cNvPr id="2" name="Заголовок 1"/>
+          <p:cNvSpPr>
+            <a:spLocks noGrp="1"/>
+          </p:cNvSpPr>
+          <p:nvPr>
+            <p:ph type="title"/>
+          </p:nvPr>
+        </p:nvSpPr>
+        <p:spPr/>
+        <p:txBody>
+          <a:bodyPr/>
+          <a:lstStyle/>
+          <a:p>
+            <a:r>
+              <a:rPr lang="ru-RU" dirty="0" smtClean="0"/>
               <a:t>Литература</a:t>
             </a:r>
             <a:endParaRPr lang="ru-RU" dirty="0"/>
@@ -9067,7 +9620,7 @@
 </p:sld>
 </file>
 
-<file path=ppt/slides/slide23.xml><?xml version="1.0" encoding="utf-8"?>
+<file path=ppt/slides/slide24.xml><?xml version="1.0" encoding="utf-8"?>
 <p:sld xmlns:a="http://schemas.openxmlformats.org/drawingml/2006/main" xmlns:r="http://schemas.openxmlformats.org/officeDocument/2006/relationships" xmlns:p="http://schemas.openxmlformats.org/presentationml/2006/main">
   <p:cSld>
     <p:spTree>
@@ -9294,40 +9847,77 @@
         </p:nvSpPr>
         <p:spPr/>
         <p:txBody>
+          <a:bodyPr>
+            <a:normAutofit fontScale="92500"/>
+          </a:bodyPr>
+          <a:lstStyle/>
+          <a:p>
+            <a:pPr marL="0" indent="0">
+              <a:buNone/>
+            </a:pPr>
+            <a:r>
+              <a:rPr lang="ru-RU" dirty="0" smtClean="0"/>
+              <a:t>В соответствии с методом широкополосного сигнала, каждый бит данных кодируется последовательностью изменённых яркостей пикселей в соответствии со значениями бит псевдослучайной последовательности. Метод широкополосного сигнала предполагает возможность выработки у отправляемой и принимающих сторон одинаковой псевдослучайной последовательности или, по крайней мере, псевдослучайных последовательностей со статистическими характеристиками эквивалентными равным</a:t>
+            </a:r>
+            <a:r>
+              <a:rPr lang="ru-RU" dirty="0" smtClean="0"/>
+              <a:t>.</a:t>
+            </a:r>
+            <a:endParaRPr lang="en-US" dirty="0" smtClean="0"/>
+          </a:p>
+          <a:p>
+            <a:r>
+              <a:rPr lang="ru-RU" dirty="0" smtClean="0"/>
+              <a:t>При этом в качестве контейнера для размещения данных может выступать не только само изображение, но и обратимое преобразование этого изображения, например, спектр, получаемый в резу</a:t>
+            </a:r>
+            <a:r>
+              <a:rPr lang="ru-RU" dirty="0" smtClean="0"/>
+              <a:t>ль</a:t>
+            </a:r>
+            <a:r>
+              <a:rPr lang="ru-RU" dirty="0"/>
+              <a:t>тате Фурье </a:t>
+            </a:r>
+            <a:r>
+              <a:rPr lang="ru-RU" dirty="0" smtClean="0"/>
+              <a:t>преобразований. </a:t>
+            </a:r>
+            <a:r>
+              <a:rPr lang="ru-RU" dirty="0"/>
+              <a:t>Наличие большого числа библиотек, реализующих Фурье преобразований (во всевозможных вариантах быстрых версий), делает реализацию алгоритмов </a:t>
+            </a:r>
+            <a:r>
+              <a:rPr lang="ru-RU" dirty="0" smtClean="0"/>
+              <a:t>не </a:t>
+            </a:r>
+            <a:r>
+              <a:rPr lang="ru-RU" dirty="0"/>
+              <a:t>очень сложной задачей для программирования.</a:t>
+            </a:r>
+            <a:endParaRPr lang="ru-RU" dirty="0"/>
+          </a:p>
+        </p:txBody>
+      </p:sp>
+      <p:sp>
+        <p:nvSpPr>
+          <p:cNvPr id="4" name="Нижний колонтитул 3"/>
+          <p:cNvSpPr>
+            <a:spLocks noGrp="1"/>
+          </p:cNvSpPr>
+          <p:nvPr>
+            <p:ph type="ftr" sz="quarter" idx="11"/>
+          </p:nvPr>
+        </p:nvSpPr>
+        <p:spPr/>
+        <p:txBody>
           <a:bodyPr/>
           <a:lstStyle/>
           <a:p>
-            <a:pPr marL="0" indent="0">
-              <a:buNone/>
-            </a:pPr>
-            <a:r>
-              <a:rPr lang="ru-RU" dirty="0" smtClean="0"/>
-              <a:t>В соответствии с методом широкополосного сигнала, каждый бит данных кодируется последовательностью изменённых яркостей пикселей в соответствии со значениями бит псевдослучайной последовательности. Метод широкополосного сигнала предполагает возможность выработки у отправляемой и принимающих сторон одинаковой псевдослучайной последовательности или, по крайней мере, псевдослучайных последовательностей со статистическими характеристиками эквивалентными равным.</a:t>
+            <a:r>
+              <a:rPr lang="en-US" dirty="0" smtClean="0"/>
+              <a:t>dmitry@protopopov.ru</a:t>
             </a:r>
             <a:endParaRPr lang="ru-RU" dirty="0"/>
-          </a:p>
-        </p:txBody>
-      </p:sp>
-      <p:sp>
-        <p:nvSpPr>
-          <p:cNvPr id="4" name="Нижний колонтитул 3"/>
-          <p:cNvSpPr>
-            <a:spLocks noGrp="1"/>
-          </p:cNvSpPr>
-          <p:nvPr>
-            <p:ph type="ftr" sz="quarter" idx="11"/>
-          </p:nvPr>
-        </p:nvSpPr>
-        <p:spPr/>
-        <p:txBody>
-          <a:bodyPr/>
-          <a:lstStyle/>
-          <a:p>
-            <a:r>
-              <a:rPr lang="en-US" smtClean="0"/>
-              <a:t>dmitry@protopopov.ru</a:t>
-            </a:r>
-            <a:endParaRPr lang="ru-RU"/>
           </a:p>
         </p:txBody>
       </p:sp>
